--- a/Dependency Injection.pptx
+++ b/Dependency Injection.pptx
@@ -8511,7 +8511,7 @@
               <a:buNone/>
             </a:pPr>
             <a:r>
-              <a:rPr lang="en"/>
+              <a:rPr lang="en" sz="3000"/>
               <a:t>Case study 2: issues</a:t>
             </a:r>
           </a:p>
@@ -8547,7 +8547,7 @@
               <a:buNone/>
             </a:pPr>
             <a:r>
-              <a:rPr lang="en"/>
+              <a:rPr lang="en" sz="1800"/>
               <a:t>In this case study, the responsibility of creating and managing the constructor dependencies is moved to a higher level.</a:t>
             </a:r>
           </a:p>
@@ -8665,7 +8665,7 @@
               <a:buNone/>
             </a:pPr>
             <a:r>
-              <a:rPr lang="en"/>
+              <a:rPr lang="en" sz="3000"/>
               <a:t>Case study 2: conclusions</a:t>
             </a:r>
           </a:p>
@@ -8807,7 +8807,7 @@
               <a:buNone/>
             </a:pPr>
             <a:r>
-              <a:rPr lang="en"/>
+              <a:rPr lang="en" sz="3000"/>
               <a:t>DI frameworks</a:t>
             </a:r>
           </a:p>
@@ -9030,7 +9030,7 @@
               <a:buNone/>
             </a:pPr>
             <a:r>
-              <a:rPr lang="en"/>
+              <a:rPr lang="en" sz="3000"/>
               <a:t>DI framework example</a:t>
             </a:r>
           </a:p>
@@ -9240,7 +9240,7 @@
               <a:buNone/>
             </a:pPr>
             <a:r>
-              <a:rPr lang="en"/>
+              <a:rPr lang="en" sz="3000"/>
               <a:t>conclusion</a:t>
             </a:r>
           </a:p>
@@ -9284,7 +9284,7 @@
             <a:r>
               <a:t/>
             </a:r>
-            <a:endParaRPr sz="1800">
+            <a:endParaRPr sz="2400">
               <a:solidFill>
                 <a:srgbClr val="FFFFFF"/>
               </a:solidFill>
@@ -9306,7 +9306,7 @@
             <a:r>
               <a:t/>
             </a:r>
-            <a:endParaRPr b="1" sz="1800">
+            <a:endParaRPr b="1" sz="2400">
               <a:solidFill>
                 <a:srgbClr val="FFFFFF"/>
               </a:solidFill>
@@ -9326,7 +9326,7 @@
               <a:buNone/>
             </a:pPr>
             <a:r>
-              <a:rPr b="1" lang="en" sz="1800">
+              <a:rPr b="1" lang="en" sz="2400">
                 <a:solidFill>
                   <a:srgbClr val="FFFFFF"/>
                 </a:solidFill>
@@ -9344,7 +9344,7 @@
             <a:r>
               <a:t/>
             </a:r>
-            <a:endParaRPr sz="1800">
+            <a:endParaRPr sz="2400">
               <a:solidFill>
                 <a:srgbClr val="FFFFFF"/>
               </a:solidFill>
@@ -10315,7 +10315,7 @@
               <a:buNone/>
             </a:pPr>
             <a:r>
-              <a:rPr lang="en"/>
+              <a:rPr lang="en" sz="3000"/>
               <a:t>Case study 1: issues</a:t>
             </a:r>
           </a:p>
@@ -10510,7 +10510,7 @@
               <a:buNone/>
             </a:pPr>
             <a:r>
-              <a:rPr lang="en"/>
+              <a:rPr lang="en" sz="3000"/>
               <a:t>Case study 1: Conclusions</a:t>
             </a:r>
           </a:p>
@@ -10652,7 +10652,7 @@
               <a:buNone/>
             </a:pPr>
             <a:r>
-              <a:rPr lang="en"/>
+              <a:rPr lang="en" sz="3000"/>
               <a:t>The dependency injection design pattern</a:t>
             </a:r>
           </a:p>
@@ -10810,7 +10810,7 @@
               <a:buNone/>
             </a:pPr>
             <a:r>
-              <a:rPr lang="en"/>
+              <a:rPr lang="en" sz="3000"/>
               <a:t>Case study 2: constructor DI</a:t>
             </a:r>
           </a:p>
@@ -11166,6 +11166,285 @@
 </file>
 
 <file path=ppt/theme/theme1.xml><?xml version="1.0" encoding="utf-8"?>
+<a:theme xmlns:a="http://schemas.openxmlformats.org/drawingml/2006/main" xmlns:r="http://schemas.openxmlformats.org/officeDocument/2006/relationships" name="Custom Theme">
+  <a:themeElements>
+    <a:clrScheme name="Default">
+      <a:dk1>
+        <a:srgbClr val="000000"/>
+      </a:dk1>
+      <a:lt1>
+        <a:srgbClr val="FFFFFF"/>
+      </a:lt1>
+      <a:dk2>
+        <a:srgbClr val="158158"/>
+      </a:dk2>
+      <a:lt2>
+        <a:srgbClr val="F3F3F3"/>
+      </a:lt2>
+      <a:accent1>
+        <a:srgbClr val="058DC7"/>
+      </a:accent1>
+      <a:accent2>
+        <a:srgbClr val="50B432"/>
+      </a:accent2>
+      <a:accent3>
+        <a:srgbClr val="ED561B"/>
+      </a:accent3>
+      <a:accent4>
+        <a:srgbClr val="EDEF00"/>
+      </a:accent4>
+      <a:accent5>
+        <a:srgbClr val="24CBE5"/>
+      </a:accent5>
+      <a:accent6>
+        <a:srgbClr val="64E572"/>
+      </a:accent6>
+      <a:hlink>
+        <a:srgbClr val="2200CC"/>
+      </a:hlink>
+      <a:folHlink>
+        <a:srgbClr val="551A8B"/>
+      </a:folHlink>
+    </a:clrScheme>
+    <a:fontScheme name="Office">
+      <a:majorFont>
+        <a:latin typeface="Arial"/>
+        <a:ea typeface=""/>
+        <a:cs typeface=""/>
+        <a:font script="Jpan" typeface="ＭＳ Ｐゴシック"/>
+        <a:font script="Hang" typeface="맑은 고딕"/>
+        <a:font script="Hans" typeface="宋体"/>
+        <a:font script="Hant" typeface="新細明體"/>
+        <a:font script="Arab" typeface="Times New Roman"/>
+        <a:font script="Hebr" typeface="Times New Roman"/>
+        <a:font script="Thai" typeface="Angsana New"/>
+        <a:font script="Ethi" typeface="Nyala"/>
+        <a:font script="Beng" typeface="Vrinda"/>
+        <a:font script="Gujr" typeface="Shruti"/>
+        <a:font script="Khmr" typeface="MoolBoran"/>
+        <a:font script="Knda" typeface="Tunga"/>
+        <a:font script="Guru" typeface="Raavi"/>
+        <a:font script="Cans" typeface="Euphemia"/>
+        <a:font script="Cher" typeface="Plantagenet Cherokee"/>
+        <a:font script="Yiii" typeface="Microsoft Yi Baiti"/>
+        <a:font script="Tibt" typeface="Microsoft Himalaya"/>
+        <a:font script="Thaa" typeface="MV Boli"/>
+        <a:font script="Deva" typeface="Mangal"/>
+        <a:font script="Telu" typeface="Gautami"/>
+        <a:font script="Taml" typeface="Latha"/>
+        <a:font script="Syrc" typeface="Estrangelo Edessa"/>
+        <a:font script="Orya" typeface="Kalinga"/>
+        <a:font script="Mlym" typeface="Kartika"/>
+        <a:font script="Laoo" typeface="DokChampa"/>
+        <a:font script="Sinh" typeface="Iskoola Pota"/>
+        <a:font script="Mong" typeface="Mongolian Baiti"/>
+        <a:font script="Viet" typeface="Times New Roman"/>
+        <a:font script="Uigh" typeface="Microsoft Uighur"/>
+        <a:font script="Geor" typeface="Sylfaen"/>
+      </a:majorFont>
+      <a:minorFont>
+        <a:latin typeface="Arial"/>
+        <a:ea typeface=""/>
+        <a:cs typeface=""/>
+        <a:font script="Jpan" typeface="ＭＳ Ｐゴシック"/>
+        <a:font script="Hang" typeface="맑은 고딕"/>
+        <a:font script="Hans" typeface="宋体"/>
+        <a:font script="Hant" typeface="新細明體"/>
+        <a:font script="Arab" typeface="Arial"/>
+        <a:font script="Hebr" typeface="Arial"/>
+        <a:font script="Thai" typeface="Cordia New"/>
+        <a:font script="Ethi" typeface="Nyala"/>
+        <a:font script="Beng" typeface="Vrinda"/>
+        <a:font script="Gujr" typeface="Shruti"/>
+        <a:font script="Khmr" typeface="DaunPenh"/>
+        <a:font script="Knda" typeface="Tunga"/>
+        <a:font script="Guru" typeface="Raavi"/>
+        <a:font script="Cans" typeface="Euphemia"/>
+        <a:font script="Cher" typeface="Plantagenet Cherokee"/>
+        <a:font script="Yiii" typeface="Microsoft Yi Baiti"/>
+        <a:font script="Tibt" typeface="Microsoft Himalaya"/>
+        <a:font script="Thaa" typeface="MV Boli"/>
+        <a:font script="Deva" typeface="Mangal"/>
+        <a:font script="Telu" typeface="Gautami"/>
+        <a:font script="Taml" typeface="Latha"/>
+        <a:font script="Syrc" typeface="Estrangelo Edessa"/>
+        <a:font script="Orya" typeface="Kalinga"/>
+        <a:font script="Mlym" typeface="Kartika"/>
+        <a:font script="Laoo" typeface="DokChampa"/>
+        <a:font script="Sinh" typeface="Iskoola Pota"/>
+        <a:font script="Mong" typeface="Mongolian Baiti"/>
+        <a:font script="Viet" typeface="Arial"/>
+        <a:font script="Uigh" typeface="Microsoft Uighur"/>
+        <a:font script="Geor" typeface="Sylfaen"/>
+      </a:minorFont>
+    </a:fontScheme>
+    <a:fmtScheme name="Office">
+      <a:fillStyleLst>
+        <a:solidFill>
+          <a:schemeClr val="phClr"/>
+        </a:solidFill>
+        <a:gradFill rotWithShape="1">
+          <a:gsLst>
+            <a:gs pos="0">
+              <a:schemeClr val="phClr">
+                <a:tint val="50000"/>
+                <a:satMod val="300000"/>
+              </a:schemeClr>
+            </a:gs>
+            <a:gs pos="35000">
+              <a:schemeClr val="phClr">
+                <a:tint val="37000"/>
+                <a:satMod val="300000"/>
+              </a:schemeClr>
+            </a:gs>
+            <a:gs pos="100000">
+              <a:schemeClr val="phClr">
+                <a:tint val="15000"/>
+                <a:satMod val="350000"/>
+              </a:schemeClr>
+            </a:gs>
+          </a:gsLst>
+          <a:lin ang="16200000" scaled="1"/>
+        </a:gradFill>
+        <a:gradFill rotWithShape="1">
+          <a:gsLst>
+            <a:gs pos="0">
+              <a:schemeClr val="phClr">
+                <a:tint val="100000"/>
+                <a:shade val="100000"/>
+                <a:satMod val="130000"/>
+              </a:schemeClr>
+            </a:gs>
+            <a:gs pos="100000">
+              <a:schemeClr val="phClr">
+                <a:tint val="50000"/>
+                <a:shade val="100000"/>
+                <a:satMod val="350000"/>
+              </a:schemeClr>
+            </a:gs>
+          </a:gsLst>
+          <a:lin ang="16200000" scaled="0"/>
+        </a:gradFill>
+      </a:fillStyleLst>
+      <a:lnStyleLst>
+        <a:ln w="9525" cap="flat" cmpd="sng" algn="ctr">
+          <a:solidFill>
+            <a:schemeClr val="phClr">
+              <a:shade val="95000"/>
+              <a:satMod val="105000"/>
+            </a:schemeClr>
+          </a:solidFill>
+          <a:prstDash val="solid"/>
+        </a:ln>
+        <a:ln w="25400" cap="flat" cmpd="sng" algn="ctr">
+          <a:solidFill>
+            <a:schemeClr val="phClr"/>
+          </a:solidFill>
+          <a:prstDash val="solid"/>
+        </a:ln>
+        <a:ln w="38100" cap="flat" cmpd="sng" algn="ctr">
+          <a:solidFill>
+            <a:schemeClr val="phClr"/>
+          </a:solidFill>
+          <a:prstDash val="solid"/>
+        </a:ln>
+      </a:lnStyleLst>
+      <a:effectStyleLst>
+        <a:effectStyle>
+          <a:effectLst>
+            <a:outerShdw blurRad="40000" dist="20000" dir="5400000" rotWithShape="0">
+              <a:srgbClr val="000000">
+                <a:alpha val="38000"/>
+              </a:srgbClr>
+            </a:outerShdw>
+          </a:effectLst>
+        </a:effectStyle>
+        <a:effectStyle>
+          <a:effectLst>
+            <a:outerShdw blurRad="40000" dist="23000" dir="5400000" rotWithShape="0">
+              <a:srgbClr val="000000">
+                <a:alpha val="35000"/>
+              </a:srgbClr>
+            </a:outerShdw>
+          </a:effectLst>
+        </a:effectStyle>
+        <a:effectStyle>
+          <a:effectLst>
+            <a:outerShdw blurRad="40000" dist="23000" dir="5400000" rotWithShape="0">
+              <a:srgbClr val="000000">
+                <a:alpha val="35000"/>
+              </a:srgbClr>
+            </a:outerShdw>
+          </a:effectLst>
+          <a:scene3d>
+            <a:camera prst="orthographicFront">
+              <a:rot lat="0" lon="0" rev="0"/>
+            </a:camera>
+            <a:lightRig rig="threePt" dir="t">
+              <a:rot lat="0" lon="0" rev="1200000"/>
+            </a:lightRig>
+          </a:scene3d>
+          <a:sp3d>
+            <a:bevelT w="63500" h="25400"/>
+          </a:sp3d>
+        </a:effectStyle>
+      </a:effectStyleLst>
+      <a:bgFillStyleLst>
+        <a:solidFill>
+          <a:schemeClr val="phClr"/>
+        </a:solidFill>
+        <a:gradFill rotWithShape="1">
+          <a:gsLst>
+            <a:gs pos="0">
+              <a:schemeClr val="phClr">
+                <a:tint val="40000"/>
+                <a:satMod val="350000"/>
+              </a:schemeClr>
+            </a:gs>
+            <a:gs pos="40000">
+              <a:schemeClr val="phClr">
+                <a:tint val="45000"/>
+                <a:shade val="99000"/>
+                <a:satMod val="350000"/>
+              </a:schemeClr>
+            </a:gs>
+            <a:gs pos="100000">
+              <a:schemeClr val="phClr">
+                <a:shade val="20000"/>
+                <a:satMod val="255000"/>
+              </a:schemeClr>
+            </a:gs>
+          </a:gsLst>
+          <a:path path="circle">
+            <a:fillToRect l="50000" t="-80000" r="50000" b="180000"/>
+          </a:path>
+        </a:gradFill>
+        <a:gradFill rotWithShape="1">
+          <a:gsLst>
+            <a:gs pos="0">
+              <a:schemeClr val="phClr">
+                <a:tint val="80000"/>
+                <a:satMod val="300000"/>
+              </a:schemeClr>
+            </a:gs>
+            <a:gs pos="100000">
+              <a:schemeClr val="phClr">
+                <a:shade val="30000"/>
+                <a:satMod val="200000"/>
+              </a:schemeClr>
+            </a:gs>
+          </a:gsLst>
+          <a:path path="circle">
+            <a:fillToRect l="50000" t="50000" r="50000" b="50000"/>
+          </a:path>
+        </a:gradFill>
+      </a:bgFillStyleLst>
+    </a:fmtScheme>
+  </a:themeElements>
+</a:theme>
+</file>
+
+<file path=ppt/theme/theme2.xml><?xml version="1.0" encoding="utf-8"?>
 <a:theme xmlns:a="http://schemas.openxmlformats.org/drawingml/2006/main" xmlns:r="http://schemas.openxmlformats.org/officeDocument/2006/relationships" name="Focus">
   <a:themeElements>
     <a:clrScheme name="Focus">
@@ -11442,283 +11721,4 @@
     </a:fmtScheme>
   </a:themeElements>
 </a:theme>
-</file>
-
-<file path=ppt/theme/theme2.xml><?xml version="1.0" encoding="utf-8"?>
-<a:theme xmlns:a="http://schemas.openxmlformats.org/drawingml/2006/main" xmlns:r="http://schemas.openxmlformats.org/officeDocument/2006/relationships" name="Custom Theme">
-  <a:themeElements>
-    <a:clrScheme name="Default">
-      <a:dk1>
-        <a:srgbClr val="000000"/>
-      </a:dk1>
-      <a:lt1>
-        <a:srgbClr val="FFFFFF"/>
-      </a:lt1>
-      <a:dk2>
-        <a:srgbClr val="158158"/>
-      </a:dk2>
-      <a:lt2>
-        <a:srgbClr val="F3F3F3"/>
-      </a:lt2>
-      <a:accent1>
-        <a:srgbClr val="058DC7"/>
-      </a:accent1>
-      <a:accent2>
-        <a:srgbClr val="50B432"/>
-      </a:accent2>
-      <a:accent3>
-        <a:srgbClr val="ED561B"/>
-      </a:accent3>
-      <a:accent4>
-        <a:srgbClr val="EDEF00"/>
-      </a:accent4>
-      <a:accent5>
-        <a:srgbClr val="24CBE5"/>
-      </a:accent5>
-      <a:accent6>
-        <a:srgbClr val="64E572"/>
-      </a:accent6>
-      <a:hlink>
-        <a:srgbClr val="2200CC"/>
-      </a:hlink>
-      <a:folHlink>
-        <a:srgbClr val="551A8B"/>
-      </a:folHlink>
-    </a:clrScheme>
-    <a:fontScheme name="Office">
-      <a:majorFont>
-        <a:latin typeface="Arial"/>
-        <a:ea typeface=""/>
-        <a:cs typeface=""/>
-        <a:font script="Jpan" typeface="ＭＳ Ｐゴシック"/>
-        <a:font script="Hang" typeface="맑은 고딕"/>
-        <a:font script="Hans" typeface="宋体"/>
-        <a:font script="Hant" typeface="新細明體"/>
-        <a:font script="Arab" typeface="Times New Roman"/>
-        <a:font script="Hebr" typeface="Times New Roman"/>
-        <a:font script="Thai" typeface="Angsana New"/>
-        <a:font script="Ethi" typeface="Nyala"/>
-        <a:font script="Beng" typeface="Vrinda"/>
-        <a:font script="Gujr" typeface="Shruti"/>
-        <a:font script="Khmr" typeface="MoolBoran"/>
-        <a:font script="Knda" typeface="Tunga"/>
-        <a:font script="Guru" typeface="Raavi"/>
-        <a:font script="Cans" typeface="Euphemia"/>
-        <a:font script="Cher" typeface="Plantagenet Cherokee"/>
-        <a:font script="Yiii" typeface="Microsoft Yi Baiti"/>
-        <a:font script="Tibt" typeface="Microsoft Himalaya"/>
-        <a:font script="Thaa" typeface="MV Boli"/>
-        <a:font script="Deva" typeface="Mangal"/>
-        <a:font script="Telu" typeface="Gautami"/>
-        <a:font script="Taml" typeface="Latha"/>
-        <a:font script="Syrc" typeface="Estrangelo Edessa"/>
-        <a:font script="Orya" typeface="Kalinga"/>
-        <a:font script="Mlym" typeface="Kartika"/>
-        <a:font script="Laoo" typeface="DokChampa"/>
-        <a:font script="Sinh" typeface="Iskoola Pota"/>
-        <a:font script="Mong" typeface="Mongolian Baiti"/>
-        <a:font script="Viet" typeface="Times New Roman"/>
-        <a:font script="Uigh" typeface="Microsoft Uighur"/>
-        <a:font script="Geor" typeface="Sylfaen"/>
-      </a:majorFont>
-      <a:minorFont>
-        <a:latin typeface="Arial"/>
-        <a:ea typeface=""/>
-        <a:cs typeface=""/>
-        <a:font script="Jpan" typeface="ＭＳ Ｐゴシック"/>
-        <a:font script="Hang" typeface="맑은 고딕"/>
-        <a:font script="Hans" typeface="宋体"/>
-        <a:font script="Hant" typeface="新細明體"/>
-        <a:font script="Arab" typeface="Arial"/>
-        <a:font script="Hebr" typeface="Arial"/>
-        <a:font script="Thai" typeface="Cordia New"/>
-        <a:font script="Ethi" typeface="Nyala"/>
-        <a:font script="Beng" typeface="Vrinda"/>
-        <a:font script="Gujr" typeface="Shruti"/>
-        <a:font script="Khmr" typeface="DaunPenh"/>
-        <a:font script="Knda" typeface="Tunga"/>
-        <a:font script="Guru" typeface="Raavi"/>
-        <a:font script="Cans" typeface="Euphemia"/>
-        <a:font script="Cher" typeface="Plantagenet Cherokee"/>
-        <a:font script="Yiii" typeface="Microsoft Yi Baiti"/>
-        <a:font script="Tibt" typeface="Microsoft Himalaya"/>
-        <a:font script="Thaa" typeface="MV Boli"/>
-        <a:font script="Deva" typeface="Mangal"/>
-        <a:font script="Telu" typeface="Gautami"/>
-        <a:font script="Taml" typeface="Latha"/>
-        <a:font script="Syrc" typeface="Estrangelo Edessa"/>
-        <a:font script="Orya" typeface="Kalinga"/>
-        <a:font script="Mlym" typeface="Kartika"/>
-        <a:font script="Laoo" typeface="DokChampa"/>
-        <a:font script="Sinh" typeface="Iskoola Pota"/>
-        <a:font script="Mong" typeface="Mongolian Baiti"/>
-        <a:font script="Viet" typeface="Arial"/>
-        <a:font script="Uigh" typeface="Microsoft Uighur"/>
-        <a:font script="Geor" typeface="Sylfaen"/>
-      </a:minorFont>
-    </a:fontScheme>
-    <a:fmtScheme name="Office">
-      <a:fillStyleLst>
-        <a:solidFill>
-          <a:schemeClr val="phClr"/>
-        </a:solidFill>
-        <a:gradFill rotWithShape="1">
-          <a:gsLst>
-            <a:gs pos="0">
-              <a:schemeClr val="phClr">
-                <a:tint val="50000"/>
-                <a:satMod val="300000"/>
-              </a:schemeClr>
-            </a:gs>
-            <a:gs pos="35000">
-              <a:schemeClr val="phClr">
-                <a:tint val="37000"/>
-                <a:satMod val="300000"/>
-              </a:schemeClr>
-            </a:gs>
-            <a:gs pos="100000">
-              <a:schemeClr val="phClr">
-                <a:tint val="15000"/>
-                <a:satMod val="350000"/>
-              </a:schemeClr>
-            </a:gs>
-          </a:gsLst>
-          <a:lin ang="16200000" scaled="1"/>
-        </a:gradFill>
-        <a:gradFill rotWithShape="1">
-          <a:gsLst>
-            <a:gs pos="0">
-              <a:schemeClr val="phClr">
-                <a:tint val="100000"/>
-                <a:shade val="100000"/>
-                <a:satMod val="130000"/>
-              </a:schemeClr>
-            </a:gs>
-            <a:gs pos="100000">
-              <a:schemeClr val="phClr">
-                <a:tint val="50000"/>
-                <a:shade val="100000"/>
-                <a:satMod val="350000"/>
-              </a:schemeClr>
-            </a:gs>
-          </a:gsLst>
-          <a:lin ang="16200000" scaled="0"/>
-        </a:gradFill>
-      </a:fillStyleLst>
-      <a:lnStyleLst>
-        <a:ln w="9525" cap="flat" cmpd="sng" algn="ctr">
-          <a:solidFill>
-            <a:schemeClr val="phClr">
-              <a:shade val="95000"/>
-              <a:satMod val="105000"/>
-            </a:schemeClr>
-          </a:solidFill>
-          <a:prstDash val="solid"/>
-        </a:ln>
-        <a:ln w="25400" cap="flat" cmpd="sng" algn="ctr">
-          <a:solidFill>
-            <a:schemeClr val="phClr"/>
-          </a:solidFill>
-          <a:prstDash val="solid"/>
-        </a:ln>
-        <a:ln w="38100" cap="flat" cmpd="sng" algn="ctr">
-          <a:solidFill>
-            <a:schemeClr val="phClr"/>
-          </a:solidFill>
-          <a:prstDash val="solid"/>
-        </a:ln>
-      </a:lnStyleLst>
-      <a:effectStyleLst>
-        <a:effectStyle>
-          <a:effectLst>
-            <a:outerShdw blurRad="40000" dist="20000" dir="5400000" rotWithShape="0">
-              <a:srgbClr val="000000">
-                <a:alpha val="38000"/>
-              </a:srgbClr>
-            </a:outerShdw>
-          </a:effectLst>
-        </a:effectStyle>
-        <a:effectStyle>
-          <a:effectLst>
-            <a:outerShdw blurRad="40000" dist="23000" dir="5400000" rotWithShape="0">
-              <a:srgbClr val="000000">
-                <a:alpha val="35000"/>
-              </a:srgbClr>
-            </a:outerShdw>
-          </a:effectLst>
-        </a:effectStyle>
-        <a:effectStyle>
-          <a:effectLst>
-            <a:outerShdw blurRad="40000" dist="23000" dir="5400000" rotWithShape="0">
-              <a:srgbClr val="000000">
-                <a:alpha val="35000"/>
-              </a:srgbClr>
-            </a:outerShdw>
-          </a:effectLst>
-          <a:scene3d>
-            <a:camera prst="orthographicFront">
-              <a:rot lat="0" lon="0" rev="0"/>
-            </a:camera>
-            <a:lightRig rig="threePt" dir="t">
-              <a:rot lat="0" lon="0" rev="1200000"/>
-            </a:lightRig>
-          </a:scene3d>
-          <a:sp3d>
-            <a:bevelT w="63500" h="25400"/>
-          </a:sp3d>
-        </a:effectStyle>
-      </a:effectStyleLst>
-      <a:bgFillStyleLst>
-        <a:solidFill>
-          <a:schemeClr val="phClr"/>
-        </a:solidFill>
-        <a:gradFill rotWithShape="1">
-          <a:gsLst>
-            <a:gs pos="0">
-              <a:schemeClr val="phClr">
-                <a:tint val="40000"/>
-                <a:satMod val="350000"/>
-              </a:schemeClr>
-            </a:gs>
-            <a:gs pos="40000">
-              <a:schemeClr val="phClr">
-                <a:tint val="45000"/>
-                <a:shade val="99000"/>
-                <a:satMod val="350000"/>
-              </a:schemeClr>
-            </a:gs>
-            <a:gs pos="100000">
-              <a:schemeClr val="phClr">
-                <a:shade val="20000"/>
-                <a:satMod val="255000"/>
-              </a:schemeClr>
-            </a:gs>
-          </a:gsLst>
-          <a:path path="circle">
-            <a:fillToRect l="50000" t="-80000" r="50000" b="180000"/>
-          </a:path>
-        </a:gradFill>
-        <a:gradFill rotWithShape="1">
-          <a:gsLst>
-            <a:gs pos="0">
-              <a:schemeClr val="phClr">
-                <a:tint val="80000"/>
-                <a:satMod val="300000"/>
-              </a:schemeClr>
-            </a:gs>
-            <a:gs pos="100000">
-              <a:schemeClr val="phClr">
-                <a:shade val="30000"/>
-                <a:satMod val="200000"/>
-              </a:schemeClr>
-            </a:gs>
-          </a:gsLst>
-          <a:path path="circle">
-            <a:fillToRect l="50000" t="50000" r="50000" b="50000"/>
-          </a:path>
-        </a:gradFill>
-      </a:bgFillStyleLst>
-    </a:fmtScheme>
-  </a:themeElements>
-</a:theme>
 </file>
--- a/Dependency Injection.pptx
+++ b/Dependency Injection.pptx
@@ -21,24 +21,23 @@
     <p:sldId id="266" r:id="rId15"/>
     <p:sldId id="267" r:id="rId16"/>
     <p:sldId id="268" r:id="rId17"/>
-    <p:sldId id="269" r:id="rId18"/>
   </p:sldIdLst>
   <p:sldSz cy="5143500" cx="9144000"/>
   <p:notesSz cx="6858000" cy="9144000"/>
   <p:embeddedFontLst>
     <p:embeddedFont>
       <p:font typeface="Montserrat"/>
-      <p:regular r:id="rId19"/>
-      <p:bold r:id="rId20"/>
-      <p:italic r:id="rId21"/>
-      <p:boldItalic r:id="rId22"/>
+      <p:regular r:id="rId18"/>
+      <p:bold r:id="rId19"/>
+      <p:italic r:id="rId20"/>
+      <p:boldItalic r:id="rId21"/>
     </p:embeddedFont>
     <p:embeddedFont>
       <p:font typeface="Lato"/>
-      <p:regular r:id="rId23"/>
-      <p:bold r:id="rId24"/>
-      <p:italic r:id="rId25"/>
-      <p:boldItalic r:id="rId26"/>
+      <p:regular r:id="rId22"/>
+      <p:bold r:id="rId23"/>
+      <p:italic r:id="rId24"/>
+      <p:boldItalic r:id="rId25"/>
     </p:embeddedFont>
   </p:embeddedFontLst>
   <p:defaultTextStyle>
@@ -582,21 +581,6 @@
           </a:bodyPr>
           <a:lstStyle/>
           <a:p>
-            <a:pPr indent="0" lvl="0" marL="457200" rtl="0">
-              <a:lnSpc>
-                <a:spcPct val="115000"/>
-              </a:lnSpc>
-              <a:spcBef>
-                <a:spcPts val="0"/>
-              </a:spcBef>
-              <a:buNone/>
-            </a:pPr>
-            <a:r>
-              <a:rPr lang="en"/>
-              <a:t>We now need to create a “getCar” function that takes care of instantiating the car dependencies and then passing them to the car constructor - which leads to the same issues in the first example.</a:t>
-            </a:r>
-          </a:p>
-          <a:p>
             <a:pPr lvl="0">
               <a:spcBef>
                 <a:spcPts val="0"/>
@@ -692,16 +676,64 @@
           </a:bodyPr>
           <a:lstStyle/>
           <a:p>
-            <a:pPr lvl="0">
+            <a:pPr lvl="0" rtl="0">
               <a:spcBef>
                 <a:spcPts val="0"/>
               </a:spcBef>
               <a:buNone/>
             </a:pPr>
             <a:r>
+              <a:rPr lang="en"/>
+              <a:t>This will make our code look the same as in “Case study 2”, only that now we don’t have to make a function that prepares the Car for us, the injector takes care of it for us.</a:t>
+            </a:r>
+          </a:p>
+          <a:p>
+            <a:pPr lvl="0" rtl="0">
+              <a:spcBef>
+                <a:spcPts val="0"/>
+              </a:spcBef>
+              <a:buNone/>
+            </a:pPr>
+            <a:r>
               <a:t/>
             </a:r>
             <a:endParaRPr/>
+          </a:p>
+          <a:p>
+            <a:pPr lvl="0" rtl="0">
+              <a:spcBef>
+                <a:spcPts val="0"/>
+              </a:spcBef>
+              <a:buNone/>
+            </a:pPr>
+            <a:r>
+              <a:t/>
+            </a:r>
+            <a:endParaRPr/>
+          </a:p>
+          <a:p>
+            <a:pPr lvl="0" rtl="0">
+              <a:spcBef>
+                <a:spcPts val="0"/>
+              </a:spcBef>
+              <a:buNone/>
+            </a:pPr>
+            <a:r>
+              <a:rPr lang="en"/>
+              <a:t>Using DI is important, it lets you create reusable, testable code. </a:t>
+            </a:r>
+          </a:p>
+          <a:p>
+            <a:pPr lvl="0" rtl="0">
+              <a:spcBef>
+                <a:spcPts val="0"/>
+              </a:spcBef>
+              <a:buNone/>
+            </a:pPr>
+            <a:r>
+              <a:rPr b="1" lang="en"/>
+              <a:t>Using DI frameworks lets you achieve these goals, in an easier to code way.</a:t>
+            </a:r>
           </a:p>
         </p:txBody>
       </p:sp>
@@ -787,7 +819,7 @@
           </a:bodyPr>
           <a:lstStyle/>
           <a:p>
-            <a:pPr lvl="0" rtl="0">
+            <a:pPr lvl="0">
               <a:spcBef>
                 <a:spcPts val="0"/>
               </a:spcBef>
@@ -795,55 +827,7 @@
             </a:pPr>
             <a:r>
               <a:rPr lang="en"/>
-              <a:t>This will make our code look the same as in “Case study 2”, only that now we don’t have to make a function that prepares the Car for us, the injector takes care of it for us.</a:t>
-            </a:r>
-          </a:p>
-          <a:p>
-            <a:pPr lvl="0" rtl="0">
-              <a:spcBef>
-                <a:spcPts val="0"/>
-              </a:spcBef>
-              <a:buNone/>
-            </a:pPr>
-            <a:r>
-              <a:t/>
-            </a:r>
-            <a:endParaRPr/>
-          </a:p>
-          <a:p>
-            <a:pPr lvl="0" rtl="0">
-              <a:spcBef>
-                <a:spcPts val="0"/>
-              </a:spcBef>
-              <a:buNone/>
-            </a:pPr>
-            <a:r>
-              <a:t/>
-            </a:r>
-            <a:endParaRPr/>
-          </a:p>
-          <a:p>
-            <a:pPr lvl="0" rtl="0">
-              <a:spcBef>
-                <a:spcPts val="0"/>
-              </a:spcBef>
-              <a:buNone/>
-            </a:pPr>
-            <a:r>
-              <a:rPr lang="en"/>
-              <a:t>Using DI is important, it lets you create reusable, testable code. </a:t>
-            </a:r>
-          </a:p>
-          <a:p>
-            <a:pPr lvl="0" rtl="0">
-              <a:spcBef>
-                <a:spcPts val="0"/>
-              </a:spcBef>
-              <a:buNone/>
-            </a:pPr>
-            <a:r>
-              <a:rPr b="1" lang="en"/>
-              <a:t>Using di frameworks lets you achieve these goals, in an easier to code way.</a:t>
+              <a:t>Explain about providers depending on audience</a:t>
             </a:r>
           </a:p>
         </p:txBody>
@@ -910,101 +894,6 @@
       <p:sp>
         <p:nvSpPr>
           <p:cNvPr id="204" name="Shape 204"/>
-          <p:cNvSpPr txBox="1"/>
-          <p:nvPr>
-            <p:ph idx="1" type="body"/>
-          </p:nvPr>
-        </p:nvSpPr>
-        <p:spPr>
-          <a:xfrm>
-            <a:off x="685800" y="4343400"/>
-            <a:ext cx="5486400" cy="4114800"/>
-          </a:xfrm>
-          <a:prstGeom prst="rect">
-            <a:avLst/>
-          </a:prstGeom>
-        </p:spPr>
-        <p:txBody>
-          <a:bodyPr anchorCtr="0" anchor="t" bIns="91425" lIns="91425" rIns="91425" wrap="square" tIns="91425">
-            <a:noAutofit/>
-          </a:bodyPr>
-          <a:lstStyle/>
-          <a:p>
-            <a:pPr lvl="0">
-              <a:spcBef>
-                <a:spcPts val="0"/>
-              </a:spcBef>
-              <a:buNone/>
-            </a:pPr>
-            <a:r>
-              <a:rPr lang="en"/>
-              <a:t>Explain about providers depending on audience</a:t>
-            </a:r>
-          </a:p>
-        </p:txBody>
-      </p:sp>
-    </p:spTree>
-  </p:cSld>
-  <p:clrMapOvr>
-    <a:masterClrMapping/>
-  </p:clrMapOvr>
-</p:notes>
-</file>
-
-<file path=ppt/notesSlides/notesSlide14.xml><?xml version="1.0" encoding="utf-8"?>
-<p:notes xmlns:a="http://schemas.openxmlformats.org/drawingml/2006/main" xmlns:r="http://schemas.openxmlformats.org/officeDocument/2006/relationships" xmlns:mc="http://schemas.openxmlformats.org/markup-compatibility/2006" xmlns:mv="urn:schemas-microsoft-com:mac:vml" xmlns:p="http://schemas.openxmlformats.org/presentationml/2006/main" xmlns:c="http://schemas.openxmlformats.org/drawingml/2006/chart" xmlns:dgm="http://schemas.openxmlformats.org/drawingml/2006/diagram" xmlns:o="urn:schemas-microsoft-com:office:office" xmlns:v="urn:schemas-microsoft-com:vml" xmlns:pvml="urn:schemas-microsoft-com:office:powerpoint" xmlns:com="http://schemas.openxmlformats.org/drawingml/2006/compatibility" xmlns:p14="http://schemas.microsoft.com/office/powerpoint/2010/main" xmlns:p15="http://schemas.microsoft.com/office/powerpoint/2012/main" showMasterPhAnim="0" showMasterSp="0">
-  <p:cSld>
-    <p:spTree>
-      <p:nvGrpSpPr>
-        <p:cNvPr id="208" name="Shape 208"/>
-        <p:cNvGrpSpPr/>
-        <p:nvPr/>
-      </p:nvGrpSpPr>
-      <p:grpSpPr>
-        <a:xfrm>
-          <a:off x="0" y="0"/>
-          <a:ext cx="0" cy="0"/>
-          <a:chOff x="0" y="0"/>
-          <a:chExt cx="0" cy="0"/>
-        </a:xfrm>
-      </p:grpSpPr>
-      <p:sp>
-        <p:nvSpPr>
-          <p:cNvPr id="209" name="Shape 209"/>
-          <p:cNvSpPr/>
-          <p:nvPr>
-            <p:ph idx="2" type="sldImg"/>
-          </p:nvPr>
-        </p:nvSpPr>
-        <p:spPr>
-          <a:xfrm>
-            <a:off x="381300" y="685800"/>
-            <a:ext cx="6096000" cy="3429000"/>
-          </a:xfrm>
-          <a:custGeom>
-            <a:pathLst>
-              <a:path extrusionOk="0" h="120000" w="120000">
-                <a:moveTo>
-                  <a:pt x="0" y="0"/>
-                </a:moveTo>
-                <a:lnTo>
-                  <a:pt x="120000" y="0"/>
-                </a:lnTo>
-                <a:lnTo>
-                  <a:pt x="120000" y="120000"/>
-                </a:lnTo>
-                <a:lnTo>
-                  <a:pt x="0" y="120000"/>
-                </a:lnTo>
-                <a:close/>
-              </a:path>
-            </a:pathLst>
-          </a:custGeom>
-        </p:spPr>
-      </p:sp>
-      <p:sp>
-        <p:nvSpPr>
-          <p:cNvPr id="210" name="Shape 210"/>
           <p:cNvSpPr txBox="1"/>
           <p:nvPr>
             <p:ph idx="1" type="body"/>
@@ -1535,24 +1424,8 @@
                 <a:cs typeface="Lato"/>
                 <a:sym typeface="Lato"/>
               </a:rPr>
-              <a:t>Is it even possible to create a new Engine in a test environment? What does Door depend upon? What does that dependency depend on? Will getting a new instance of Door make an asynchronous call to the server? We d </a:t>
-            </a:r>
-          </a:p>
-          <a:p>
-            <a:pPr indent="-317500" lvl="0" marL="457200" rtl="0">
-              <a:lnSpc>
-                <a:spcPct val="115000"/>
-              </a:lnSpc>
-              <a:spcBef>
-                <a:spcPts val="0"/>
-              </a:spcBef>
-              <a:buClr>
-                <a:srgbClr val="FFFFFF"/>
-              </a:buClr>
-              <a:buSzPct val="100000"/>
-              <a:buFont typeface="Lato"/>
-              <a:buChar char="●"/>
-            </a:pPr>
+              <a:t>Is it even possible to create a new Engine in a test environment? What does Door depend upon? What does that dependency depend on? Will getting a new instance of Door make an asynchronous call to the server? </a:t>
+            </a:r>
             <a:r>
               <a:rPr lang="en" sz="1400">
                 <a:solidFill>
@@ -1669,9 +1542,9 @@
               <a:buNone/>
             </a:pPr>
             <a:r>
-              <a:rPr lang="en"/>
-              <a:t>This leads us to </a:t>
-            </a:r>
+              <a:t/>
+            </a:r>
+            <a:endParaRPr/>
           </a:p>
         </p:txBody>
       </p:sp>
@@ -1757,6 +1630,21 @@
           </a:bodyPr>
           <a:lstStyle/>
           <a:p>
+            <a:pPr indent="0" lvl="0" marL="457200" rtl="0">
+              <a:lnSpc>
+                <a:spcPct val="115000"/>
+              </a:lnSpc>
+              <a:spcBef>
+                <a:spcPts val="0"/>
+              </a:spcBef>
+              <a:buNone/>
+            </a:pPr>
+            <a:r>
+              <a:rPr lang="en"/>
+              <a:t>In this example, we moved the dependency creation out of the constructor, and changed the constructor function to expect all needed dependencies as arguments. There are no concrete implementations anymore in this code, as we moved the responsibility of creating those dependencies to a higher level.</a:t>
+            </a:r>
+          </a:p>
+          <a:p>
             <a:pPr lvl="0">
               <a:spcBef>
                 <a:spcPts val="0"/>
@@ -1851,21 +1739,6 @@
             <a:noAutofit/>
           </a:bodyPr>
           <a:lstStyle/>
-          <a:p>
-            <a:pPr indent="0" lvl="0" marL="457200" rtl="0">
-              <a:lnSpc>
-                <a:spcPct val="115000"/>
-              </a:lnSpc>
-              <a:spcBef>
-                <a:spcPts val="0"/>
-              </a:spcBef>
-              <a:buNone/>
-            </a:pPr>
-            <a:r>
-              <a:rPr lang="en"/>
-              <a:t>In this example, we moved the dependency creation out of the constructor, and changed the constructor function to expect all needed dependencies as arguments. There are no concrete implementations anymore in this code, as we moved the responsibility of creating those dependencies to a higher level.</a:t>
-            </a:r>
-          </a:p>
           <a:p>
             <a:pPr lvl="0">
               <a:spcBef>
@@ -8512,7 +8385,7 @@
             </a:pPr>
             <a:r>
               <a:rPr lang="en" sz="3000"/>
-              <a:t>Case study 2: issues</a:t>
+              <a:t>Case study 2: conclusions</a:t>
             </a:r>
           </a:p>
         </p:txBody>
@@ -8540,18 +8413,6 @@
           </a:bodyPr>
           <a:lstStyle/>
           <a:p>
-            <a:pPr lvl="0">
-              <a:spcBef>
-                <a:spcPts val="0"/>
-              </a:spcBef>
-              <a:buNone/>
-            </a:pPr>
-            <a:r>
-              <a:rPr lang="en" sz="1800"/>
-              <a:t>In this case study, the responsibility of creating and managing the constructor dependencies is moved to a higher level.</a:t>
-            </a:r>
-          </a:p>
-          <a:p>
             <a:pPr indent="0" lvl="0" marL="457200" rtl="0">
               <a:spcBef>
                 <a:spcPts val="0"/>
@@ -8562,51 +8423,13 @@
               <a:buNone/>
             </a:pPr>
             <a:r>
-              <a:rPr b="1" lang="en" sz="1800">
+              <a:rPr lang="en" sz="1800">
                 <a:solidFill>
                   <a:srgbClr val="FFFFFF"/>
                 </a:solidFill>
               </a:rPr>
-              <a:t>Who takes care of assembling all those dependencies for us? It’s us</a:t>
-            </a:r>
-          </a:p>
-          <a:p>
-            <a:pPr indent="0" lvl="0" marL="457200" rtl="0">
-              <a:spcBef>
-                <a:spcPts val="0"/>
-              </a:spcBef>
-              <a:spcAft>
-                <a:spcPts val="0"/>
-              </a:spcAft>
-              <a:buNone/>
-            </a:pPr>
-            <a:r>
-              <a:t/>
-            </a:r>
-            <a:endParaRPr b="1" sz="1800">
-              <a:solidFill>
-                <a:srgbClr val="FFFFFF"/>
-              </a:solidFill>
-            </a:endParaRPr>
-          </a:p>
-          <a:p>
-            <a:pPr indent="0" lvl="0" marL="0" rtl="0">
-              <a:spcBef>
-                <a:spcPts val="0"/>
-              </a:spcBef>
-              <a:spcAft>
-                <a:spcPts val="0"/>
-              </a:spcAft>
-              <a:buNone/>
-            </a:pPr>
-            <a:r>
-              <a:t/>
-            </a:r>
-            <a:endParaRPr b="1" sz="1800">
-              <a:solidFill>
-                <a:srgbClr val="FFFFFF"/>
-              </a:solidFill>
-            </a:endParaRPr>
+              <a:t>Moving the dependencies to be  injected into the constructor using the constructor arguments improved code testablity and reusability, but we still have to provide the class dependencies ourselves.</a:t>
+            </a:r>
           </a:p>
         </p:txBody>
       </p:sp>
@@ -8666,7 +8489,7 @@
             </a:pPr>
             <a:r>
               <a:rPr lang="en" sz="3000"/>
-              <a:t>Case study 2: conclusions</a:t>
+              <a:t>DI frameworks</a:t>
             </a:r>
           </a:p>
         </p:txBody>
@@ -8694,14 +8517,21 @@
           </a:bodyPr>
           <a:lstStyle/>
           <a:p>
-            <a:pPr indent="0" lvl="0" marL="457200" rtl="0">
+            <a:pPr indent="-342900" lvl="0" marL="457200" rtl="0">
+              <a:lnSpc>
+                <a:spcPct val="100000"/>
+              </a:lnSpc>
               <a:spcBef>
                 <a:spcPts val="0"/>
               </a:spcBef>
               <a:spcAft>
                 <a:spcPts val="0"/>
               </a:spcAft>
-              <a:buNone/>
+              <a:buClr>
+                <a:srgbClr val="FFFFFF"/>
+              </a:buClr>
+              <a:buSzPct val="100000"/>
+              <a:buChar char="●"/>
             </a:pPr>
             <a:r>
               <a:rPr lang="en" sz="1800">
@@ -8709,11 +8539,14 @@
                   <a:srgbClr val="FFFFFF"/>
                 </a:solidFill>
               </a:rPr>
-              <a:t>Moving the dependency to be  injected into the constructor using the constructor arguments is nice, but we still encounter the same problems as we did in “Case study 1”.</a:t>
+              <a:t>A DI framework  analyzes the dependencies of a class. </a:t>
             </a:r>
           </a:p>
           <a:p>
-            <a:pPr indent="0" lvl="0" marL="457200" rtl="0">
+            <a:pPr lvl="0" rtl="0">
+              <a:lnSpc>
+                <a:spcPct val="100000"/>
+              </a:lnSpc>
               <a:spcBef>
                 <a:spcPts val="0"/>
               </a:spcBef>
@@ -8732,14 +8565,21 @@
             </a:endParaRPr>
           </a:p>
           <a:p>
-            <a:pPr indent="0" lvl="0" marL="457200" rtl="0">
+            <a:pPr indent="-342900" lvl="0" marL="457200" rtl="0">
+              <a:lnSpc>
+                <a:spcPct val="100000"/>
+              </a:lnSpc>
               <a:spcBef>
                 <a:spcPts val="0"/>
               </a:spcBef>
               <a:spcAft>
                 <a:spcPts val="0"/>
               </a:spcAft>
-              <a:buNone/>
+              <a:buClr>
+                <a:srgbClr val="FFFFFF"/>
+              </a:buClr>
+              <a:buSzPct val="100000"/>
+              <a:buChar char="●"/>
             </a:pPr>
             <a:r>
               <a:rPr lang="en" sz="1800">
@@ -8747,8 +8587,46 @@
                   <a:srgbClr val="FFFFFF"/>
                 </a:solidFill>
               </a:rPr>
-              <a:t>The difference is that now we encounter them when we want to call “new Car(engine, tires, doors)” instead of inside the constructor.</a:t>
-            </a:r>
+              <a:t>With this analysis, the DI framework is able to create an instance of the class and inject it into the defined dependencies.</a:t>
+            </a:r>
+          </a:p>
+          <a:p>
+            <a:pPr lvl="0" rtl="0">
+              <a:lnSpc>
+                <a:spcPct val="100000"/>
+              </a:lnSpc>
+              <a:spcBef>
+                <a:spcPts val="0"/>
+              </a:spcBef>
+              <a:spcAft>
+                <a:spcPts val="0"/>
+              </a:spcAft>
+              <a:buNone/>
+            </a:pPr>
+            <a:r>
+              <a:t/>
+            </a:r>
+            <a:endParaRPr sz="1800">
+              <a:solidFill>
+                <a:srgbClr val="FFFFFF"/>
+              </a:solidFill>
+            </a:endParaRPr>
+          </a:p>
+          <a:p>
+            <a:pPr lvl="0">
+              <a:spcBef>
+                <a:spcPts val="0"/>
+              </a:spcBef>
+              <a:buNone/>
+            </a:pPr>
+            <a:r>
+              <a:t/>
+            </a:r>
+            <a:endParaRPr sz="1800">
+              <a:solidFill>
+                <a:srgbClr val="FFFFFF"/>
+              </a:solidFill>
+            </a:endParaRPr>
           </a:p>
         </p:txBody>
       </p:sp>
@@ -8808,7 +8686,7 @@
             </a:pPr>
             <a:r>
               <a:rPr lang="en" sz="3000"/>
-              <a:t>DI frameworks</a:t>
+              <a:t>DI framework example</a:t>
             </a:r>
           </a:p>
         </p:txBody>
@@ -8836,21 +8714,88 @@
           </a:bodyPr>
           <a:lstStyle/>
           <a:p>
+            <a:pPr lvl="0">
+              <a:spcBef>
+                <a:spcPts val="0"/>
+              </a:spcBef>
+              <a:buNone/>
+            </a:pPr>
+            <a:r>
+              <a:rPr lang="en" sz="1800"/>
+              <a:t>In </a:t>
+            </a:r>
+            <a:r>
+              <a:rPr lang="en" sz="1800"/>
+              <a:t>Angular 4</a:t>
+            </a:r>
+            <a:r>
+              <a:rPr lang="en" sz="1800"/>
+              <a:t> ,  DI is made easy using a DI framework. </a:t>
+            </a:r>
+          </a:p>
+          <a:p>
+            <a:pPr lvl="0">
+              <a:spcBef>
+                <a:spcPts val="0"/>
+              </a:spcBef>
+              <a:buNone/>
+            </a:pPr>
+            <a:r>
+              <a:rPr lang="en" sz="1800"/>
+              <a:t>Injecting a class is done by:</a:t>
+            </a:r>
+          </a:p>
+          <a:p>
             <a:pPr indent="-342900" lvl="0" marL="457200" rtl="0">
-              <a:lnSpc>
-                <a:spcPct val="100000"/>
-              </a:lnSpc>
               <a:spcBef>
                 <a:spcPts val="0"/>
               </a:spcBef>
               <a:spcAft>
                 <a:spcPts val="0"/>
               </a:spcAft>
-              <a:buClr>
-                <a:srgbClr val="FFFFFF"/>
-              </a:buClr>
-              <a:buSzPct val="100000"/>
-              <a:buChar char="●"/>
+              <a:buSzPct val="100000"/>
+              <a:buAutoNum type="arabicPeriod"/>
+            </a:pPr>
+            <a:r>
+              <a:rPr lang="en" sz="1800"/>
+              <a:t> declaring a class as injectable with an annotation - injectable()</a:t>
+            </a:r>
+          </a:p>
+          <a:p>
+            <a:pPr indent="-342900" lvl="0" marL="457200" rtl="0">
+              <a:spcBef>
+                <a:spcPts val="0"/>
+              </a:spcBef>
+              <a:spcAft>
+                <a:spcPts val="0"/>
+              </a:spcAft>
+              <a:buSzPct val="100000"/>
+              <a:buAutoNum type="arabicPeriod"/>
+            </a:pPr>
+            <a:r>
+              <a:rPr lang="en" sz="1800"/>
+              <a:t>Subscribing a provider for the injected class</a:t>
+            </a:r>
+          </a:p>
+          <a:p>
+            <a:pPr indent="-342900" lvl="0" marL="457200" rtl="0">
+              <a:spcBef>
+                <a:spcPts val="0"/>
+              </a:spcBef>
+              <a:buSzPct val="100000"/>
+              <a:buAutoNum type="arabicPeriod"/>
+            </a:pPr>
+            <a:r>
+              <a:rPr lang="en" sz="1800"/>
+              <a:t>Passing the injected class as an argument to a function</a:t>
+            </a:r>
+          </a:p>
+          <a:p>
+            <a:pPr indent="457200" lvl="0" marL="914400" rtl="0">
+              <a:spcBef>
+                <a:spcPts val="0"/>
+              </a:spcBef>
+              <a:buNone/>
             </a:pPr>
             <a:r>
               <a:rPr lang="en" sz="1800">
@@ -8858,120 +8803,40 @@
                   <a:srgbClr val="FFFFFF"/>
                 </a:solidFill>
               </a:rPr>
-              <a:t>A DI framework  analyzes the dependencies of a class. </a:t>
-            </a:r>
-          </a:p>
-          <a:p>
-            <a:pPr lvl="0" rtl="0">
-              <a:lnSpc>
-                <a:spcPct val="100000"/>
-              </a:lnSpc>
-              <a:spcBef>
-                <a:spcPts val="0"/>
-              </a:spcBef>
-              <a:spcAft>
-                <a:spcPts val="0"/>
-              </a:spcAft>
-              <a:buNone/>
-            </a:pPr>
-            <a:r>
-              <a:t/>
-            </a:r>
-            <a:endParaRPr sz="1800">
-              <a:solidFill>
-                <a:srgbClr val="FFFFFF"/>
-              </a:solidFill>
-            </a:endParaRPr>
-          </a:p>
-          <a:p>
-            <a:pPr indent="-342900" lvl="0" marL="457200" rtl="0">
-              <a:lnSpc>
-                <a:spcPct val="100000"/>
-              </a:lnSpc>
-              <a:spcBef>
-                <a:spcPts val="0"/>
-              </a:spcBef>
-              <a:spcAft>
-                <a:spcPts val="0"/>
-              </a:spcAft>
-              <a:buClr>
-                <a:srgbClr val="FFFFFF"/>
-              </a:buClr>
-              <a:buSzPct val="100000"/>
-              <a:buChar char="●"/>
-            </a:pPr>
+              <a:t>[{ </a:t>
+            </a:r>
+            <a:r>
+              <a:rPr lang="en" sz="1800">
+                <a:solidFill>
+                  <a:srgbClr val="6D9EEB"/>
+                </a:solidFill>
+              </a:rPr>
+              <a:t>provide</a:t>
+            </a:r>
             <a:r>
               <a:rPr lang="en" sz="1800">
                 <a:solidFill>
                   <a:srgbClr val="FFFFFF"/>
                 </a:solidFill>
               </a:rPr>
-              <a:t>With this analysis, the DI framework is able to create an instance of the class and inject it into the defined dependencies.</a:t>
-            </a:r>
-          </a:p>
-          <a:p>
-            <a:pPr lvl="0" rtl="0">
-              <a:lnSpc>
-                <a:spcPct val="100000"/>
-              </a:lnSpc>
-              <a:spcBef>
-                <a:spcPts val="0"/>
-              </a:spcBef>
-              <a:spcAft>
-                <a:spcPts val="0"/>
-              </a:spcAft>
-              <a:buNone/>
-            </a:pPr>
-            <a:r>
-              <a:t/>
-            </a:r>
-            <a:endParaRPr sz="1800">
-              <a:solidFill>
-                <a:srgbClr val="FFFFFF"/>
-              </a:solidFill>
-            </a:endParaRPr>
-          </a:p>
-          <a:p>
-            <a:pPr indent="-342900" lvl="0" marL="457200" rtl="0">
-              <a:lnSpc>
-                <a:spcPct val="100000"/>
-              </a:lnSpc>
-              <a:spcBef>
-                <a:spcPts val="0"/>
-              </a:spcBef>
-              <a:spcAft>
-                <a:spcPts val="0"/>
-              </a:spcAft>
-              <a:buClr>
-                <a:srgbClr val="FFFFFF"/>
-              </a:buClr>
-              <a:buSzPct val="100000"/>
-              <a:buChar char="●"/>
-            </a:pPr>
+              <a:t>: Logger,  </a:t>
+            </a:r>
+            <a:r>
+              <a:rPr lang="en" sz="1800">
+                <a:solidFill>
+                  <a:srgbClr val="6D9EEB"/>
+                </a:solidFill>
+              </a:rPr>
+              <a:t>useClass</a:t>
+            </a:r>
             <a:r>
               <a:rPr lang="en" sz="1800">
                 <a:solidFill>
                   <a:srgbClr val="FFFFFF"/>
                 </a:solidFill>
               </a:rPr>
-              <a:t>This way the class has no hard dependencies, which means it does not rely on an instance of a certain class. This allows us to change all instances of Engine in our code to use BigEngine instead, without having to change all classes who depend on it (such as Car).</a:t>
-            </a:r>
-          </a:p>
-          <a:p>
-            <a:pPr lvl="0">
-              <a:spcBef>
-                <a:spcPts val="0"/>
-              </a:spcBef>
-              <a:buNone/>
-            </a:pPr>
-            <a:r>
-              <a:t/>
-            </a:r>
-            <a:endParaRPr sz="1800">
-              <a:solidFill>
-                <a:srgbClr val="FFFFFF"/>
-              </a:solidFill>
-            </a:endParaRPr>
+              <a:t>: Logger }]</a:t>
+            </a:r>
           </a:p>
         </p:txBody>
       </p:sp>
@@ -9031,7 +8896,7 @@
             </a:pPr>
             <a:r>
               <a:rPr lang="en" sz="3000"/>
-              <a:t>DI framework example</a:t>
+              <a:t>conclusion</a:t>
             </a:r>
           </a:p>
         </p:txBody>
@@ -9039,216 +8904,6 @@
       <p:sp>
         <p:nvSpPr>
           <p:cNvPr id="207" name="Shape 207"/>
-          <p:cNvSpPr txBox="1"/>
-          <p:nvPr>
-            <p:ph idx="1" type="body"/>
-          </p:nvPr>
-        </p:nvSpPr>
-        <p:spPr>
-          <a:xfrm>
-            <a:off x="1297500" y="1567550"/>
-            <a:ext cx="7038900" cy="2911200"/>
-          </a:xfrm>
-          <a:prstGeom prst="rect">
-            <a:avLst/>
-          </a:prstGeom>
-        </p:spPr>
-        <p:txBody>
-          <a:bodyPr anchorCtr="0" anchor="t" bIns="91425" lIns="91425" rIns="91425" wrap="square" tIns="91425">
-            <a:noAutofit/>
-          </a:bodyPr>
-          <a:lstStyle/>
-          <a:p>
-            <a:pPr lvl="0">
-              <a:spcBef>
-                <a:spcPts val="0"/>
-              </a:spcBef>
-              <a:buNone/>
-            </a:pPr>
-            <a:r>
-              <a:rPr lang="en" sz="1800"/>
-              <a:t>In </a:t>
-            </a:r>
-            <a:r>
-              <a:rPr lang="en" sz="1800"/>
-              <a:t>Angular 4</a:t>
-            </a:r>
-            <a:r>
-              <a:rPr lang="en" sz="1800"/>
-              <a:t> ,  DI is made easy using a DI framework. </a:t>
-            </a:r>
-          </a:p>
-          <a:p>
-            <a:pPr lvl="0">
-              <a:spcBef>
-                <a:spcPts val="0"/>
-              </a:spcBef>
-              <a:buNone/>
-            </a:pPr>
-            <a:r>
-              <a:rPr lang="en" sz="1800"/>
-              <a:t>Injecting a class is done by:</a:t>
-            </a:r>
-          </a:p>
-          <a:p>
-            <a:pPr indent="-342900" lvl="0" marL="457200" rtl="0">
-              <a:spcBef>
-                <a:spcPts val="0"/>
-              </a:spcBef>
-              <a:spcAft>
-                <a:spcPts val="0"/>
-              </a:spcAft>
-              <a:buSzPct val="100000"/>
-              <a:buAutoNum type="arabicPeriod"/>
-            </a:pPr>
-            <a:r>
-              <a:rPr lang="en" sz="1800"/>
-              <a:t> declaring a class as injectable with an annotation - injectable()</a:t>
-            </a:r>
-          </a:p>
-          <a:p>
-            <a:pPr indent="-342900" lvl="0" marL="457200" rtl="0">
-              <a:spcBef>
-                <a:spcPts val="0"/>
-              </a:spcBef>
-              <a:spcAft>
-                <a:spcPts val="0"/>
-              </a:spcAft>
-              <a:buSzPct val="100000"/>
-              <a:buAutoNum type="arabicPeriod"/>
-            </a:pPr>
-            <a:r>
-              <a:rPr lang="en" sz="1800"/>
-              <a:t>Subscribing a provider for the injected class</a:t>
-            </a:r>
-          </a:p>
-          <a:p>
-            <a:pPr indent="-342900" lvl="0" marL="457200" rtl="0">
-              <a:spcBef>
-                <a:spcPts val="0"/>
-              </a:spcBef>
-              <a:buSzPct val="100000"/>
-              <a:buAutoNum type="arabicPeriod"/>
-            </a:pPr>
-            <a:r>
-              <a:rPr lang="en" sz="1800"/>
-              <a:t>Passing the injected class as an argument to a function</a:t>
-            </a:r>
-          </a:p>
-          <a:p>
-            <a:pPr indent="457200" lvl="0" marL="914400" rtl="0">
-              <a:spcBef>
-                <a:spcPts val="0"/>
-              </a:spcBef>
-              <a:buNone/>
-            </a:pPr>
-            <a:r>
-              <a:rPr lang="en" sz="1800">
-                <a:solidFill>
-                  <a:srgbClr val="FFFFFF"/>
-                </a:solidFill>
-              </a:rPr>
-              <a:t>[{ </a:t>
-            </a:r>
-            <a:r>
-              <a:rPr lang="en" sz="1800">
-                <a:solidFill>
-                  <a:srgbClr val="6D9EEB"/>
-                </a:solidFill>
-              </a:rPr>
-              <a:t>provide</a:t>
-            </a:r>
-            <a:r>
-              <a:rPr lang="en" sz="1800">
-                <a:solidFill>
-                  <a:srgbClr val="FFFFFF"/>
-                </a:solidFill>
-              </a:rPr>
-              <a:t>: Logger,  </a:t>
-            </a:r>
-            <a:r>
-              <a:rPr lang="en" sz="1800">
-                <a:solidFill>
-                  <a:srgbClr val="6D9EEB"/>
-                </a:solidFill>
-              </a:rPr>
-              <a:t>useClass</a:t>
-            </a:r>
-            <a:r>
-              <a:rPr lang="en" sz="1800">
-                <a:solidFill>
-                  <a:srgbClr val="FFFFFF"/>
-                </a:solidFill>
-              </a:rPr>
-              <a:t>: Logger }]</a:t>
-            </a:r>
-          </a:p>
-        </p:txBody>
-      </p:sp>
-    </p:spTree>
-  </p:cSld>
-  <p:clrMapOvr>
-    <a:masterClrMapping/>
-  </p:clrMapOvr>
-</p:sld>
-</file>
-
-<file path=ppt/slides/slide14.xml><?xml version="1.0" encoding="utf-8"?>
-<p:sld xmlns:a="http://schemas.openxmlformats.org/drawingml/2006/main" xmlns:r="http://schemas.openxmlformats.org/officeDocument/2006/relationships" xmlns:mc="http://schemas.openxmlformats.org/markup-compatibility/2006" xmlns:mv="urn:schemas-microsoft-com:mac:vml" xmlns:p="http://schemas.openxmlformats.org/presentationml/2006/main" xmlns:c="http://schemas.openxmlformats.org/drawingml/2006/chart" xmlns:dgm="http://schemas.openxmlformats.org/drawingml/2006/diagram" xmlns:o="urn:schemas-microsoft-com:office:office" xmlns:v="urn:schemas-microsoft-com:vml" xmlns:pvml="urn:schemas-microsoft-com:office:powerpoint" xmlns:com="http://schemas.openxmlformats.org/drawingml/2006/compatibility" xmlns:p14="http://schemas.microsoft.com/office/powerpoint/2010/main" xmlns:p15="http://schemas.microsoft.com/office/powerpoint/2012/main">
-  <p:cSld>
-    <p:spTree>
-      <p:nvGrpSpPr>
-        <p:cNvPr id="211" name="Shape 211"/>
-        <p:cNvGrpSpPr/>
-        <p:nvPr/>
-      </p:nvGrpSpPr>
-      <p:grpSpPr>
-        <a:xfrm>
-          <a:off x="0" y="0"/>
-          <a:ext cx="0" cy="0"/>
-          <a:chOff x="0" y="0"/>
-          <a:chExt cx="0" cy="0"/>
-        </a:xfrm>
-      </p:grpSpPr>
-      <p:sp>
-        <p:nvSpPr>
-          <p:cNvPr id="212" name="Shape 212"/>
-          <p:cNvSpPr txBox="1"/>
-          <p:nvPr>
-            <p:ph type="title"/>
-          </p:nvPr>
-        </p:nvSpPr>
-        <p:spPr>
-          <a:xfrm>
-            <a:off x="1297500" y="393750"/>
-            <a:ext cx="7038900" cy="914100"/>
-          </a:xfrm>
-          <a:prstGeom prst="rect">
-            <a:avLst/>
-          </a:prstGeom>
-        </p:spPr>
-        <p:txBody>
-          <a:bodyPr anchorCtr="0" anchor="t" bIns="91425" lIns="91425" rIns="91425" wrap="square" tIns="91425">
-            <a:noAutofit/>
-          </a:bodyPr>
-          <a:lstStyle/>
-          <a:p>
-            <a:pPr lvl="0">
-              <a:spcBef>
-                <a:spcPts val="0"/>
-              </a:spcBef>
-              <a:buNone/>
-            </a:pPr>
-            <a:r>
-              <a:rPr lang="en" sz="3000"/>
-              <a:t>conclusion</a:t>
-            </a:r>
-          </a:p>
-        </p:txBody>
-      </p:sp>
-      <p:sp>
-        <p:nvSpPr>
-          <p:cNvPr id="213" name="Shape 213"/>
           <p:cNvSpPr txBox="1"/>
           <p:nvPr>
             <p:ph idx="1" type="body"/>
@@ -10511,7 +10166,7 @@
             </a:pPr>
             <a:r>
               <a:rPr lang="en" sz="3000"/>
-              <a:t>Case study 1: Conclusions</a:t>
+              <a:t>The dependency injection design pattern</a:t>
             </a:r>
           </a:p>
         </p:txBody>
@@ -10539,60 +10194,76 @@
           </a:bodyPr>
           <a:lstStyle/>
           <a:p>
-            <a:pPr lvl="0" rtl="0">
-              <a:spcBef>
-                <a:spcPts val="0"/>
-              </a:spcBef>
-              <a:spcAft>
-                <a:spcPts val="0"/>
-              </a:spcAft>
+            <a:pPr lvl="0">
+              <a:spcBef>
+                <a:spcPts val="0"/>
+              </a:spcBef>
               <a:buNone/>
             </a:pPr>
             <a:r>
-              <a:rPr lang="en" sz="1800">
-                <a:solidFill>
-                  <a:srgbClr val="FFFFFF"/>
-                </a:solidFill>
-              </a:rPr>
-              <a:t>The main issue with this case study, is the tight coupling of classes.</a:t>
+              <a:rPr lang="en" sz="1800"/>
+              <a:t>Dependency injection allows us to create flexible code, improving our ability to test and reuse our code.</a:t>
             </a:r>
           </a:p>
           <a:p>
-            <a:pPr lvl="0" rtl="0">
-              <a:spcBef>
-                <a:spcPts val="0"/>
-              </a:spcBef>
-              <a:spcAft>
-                <a:spcPts val="0"/>
-              </a:spcAft>
+            <a:pPr lvl="0">
+              <a:spcBef>
+                <a:spcPts val="0"/>
+              </a:spcBef>
               <a:buNone/>
             </a:pPr>
             <a:r>
-              <a:t/>
-            </a:r>
-            <a:endParaRPr sz="1800">
-              <a:solidFill>
-                <a:srgbClr val="FFFFFF"/>
-              </a:solidFill>
-            </a:endParaRPr>
+              <a:rPr lang="en" sz="1800"/>
+              <a:t>There are three ways to implement the DI design pattern:</a:t>
+            </a:r>
           </a:p>
           <a:p>
-            <a:pPr lvl="0" rtl="0">
+            <a:pPr indent="-342900" lvl="0" marL="457200" rtl="0">
               <a:spcBef>
                 <a:spcPts val="0"/>
               </a:spcBef>
               <a:spcAft>
                 <a:spcPts val="0"/>
               </a:spcAft>
-              <a:buNone/>
+              <a:buSzPct val="100000"/>
+              <a:buChar char="●"/>
             </a:pPr>
             <a:r>
-              <a:rPr b="1" lang="en" sz="1800">
-                <a:solidFill>
-                  <a:srgbClr val="FFFFFF"/>
-                </a:solidFill>
-              </a:rPr>
-              <a:t>let’s take the dependencies from being created in the constructor, and pass them as arguments.</a:t>
+              <a:rPr lang="en" sz="1800"/>
+              <a:t>Constructor injection</a:t>
+            </a:r>
+          </a:p>
+          <a:p>
+            <a:pPr indent="-342900" lvl="0" marL="457200" rtl="0">
+              <a:spcBef>
+                <a:spcPts val="0"/>
+              </a:spcBef>
+              <a:spcAft>
+                <a:spcPts val="0"/>
+              </a:spcAft>
+              <a:buSzPct val="100000"/>
+              <a:buChar char="●"/>
+            </a:pPr>
+            <a:r>
+              <a:rPr lang="en" sz="1800"/>
+              <a:t>Setter injection</a:t>
+            </a:r>
+          </a:p>
+          <a:p>
+            <a:pPr indent="-342900" lvl="0" marL="457200">
+              <a:spcBef>
+                <a:spcPts val="0"/>
+              </a:spcBef>
+              <a:buSzPct val="100000"/>
+              <a:buChar char="●"/>
+            </a:pPr>
+            <a:r>
+              <a:rPr lang="en" sz="1800"/>
+              <a:t>Interface injection - obligatory </a:t>
+            </a:r>
+            <a:r>
+              <a:rPr lang="en" sz="1800"/>
+              <a:t>injected class API </a:t>
             </a:r>
           </a:p>
         </p:txBody>
@@ -10653,7 +10324,7 @@
             </a:pPr>
             <a:r>
               <a:rPr lang="en" sz="3000"/>
-              <a:t>The dependency injection design pattern</a:t>
+              <a:t>Case study 2: constructor DI</a:t>
             </a:r>
           </a:p>
         </p:txBody>
@@ -10681,76 +10352,320 @@
           </a:bodyPr>
           <a:lstStyle/>
           <a:p>
-            <a:pPr lvl="0">
-              <a:spcBef>
-                <a:spcPts val="0"/>
-              </a:spcBef>
+            <a:pPr indent="457200" lvl="0" marL="457200" rtl="0">
+              <a:spcBef>
+                <a:spcPts val="0"/>
+              </a:spcBef>
+              <a:spcAft>
+                <a:spcPts val="0"/>
+              </a:spcAft>
               <a:buNone/>
             </a:pPr>
             <a:r>
-              <a:rPr lang="en" sz="1800"/>
-              <a:t>Dependency injection allows us to create flexible code, improving our ability to test and reuse our code.</a:t>
-            </a:r>
-          </a:p>
-          <a:p>
-            <a:pPr lvl="0">
-              <a:spcBef>
-                <a:spcPts val="0"/>
-              </a:spcBef>
-              <a:buNone/>
-            </a:pPr>
-            <a:r>
-              <a:rPr lang="en" sz="1800"/>
-              <a:t>There are three ways to implement the DI design pattern:</a:t>
-            </a:r>
-          </a:p>
-          <a:p>
-            <a:pPr indent="-342900" lvl="0" marL="457200" rtl="0">
-              <a:spcBef>
-                <a:spcPts val="0"/>
-              </a:spcBef>
-              <a:spcAft>
-                <a:spcPts val="0"/>
-              </a:spcAft>
-              <a:buSzPct val="100000"/>
-              <a:buChar char="●"/>
-            </a:pPr>
-            <a:r>
-              <a:rPr lang="en" sz="1800"/>
-              <a:t>Constructor injection</a:t>
-            </a:r>
-          </a:p>
-          <a:p>
-            <a:pPr indent="-342900" lvl="0" marL="457200" rtl="0">
-              <a:spcBef>
-                <a:spcPts val="0"/>
-              </a:spcBef>
-              <a:spcAft>
-                <a:spcPts val="0"/>
-              </a:spcAft>
-              <a:buSzPct val="100000"/>
-              <a:buChar char="●"/>
-            </a:pPr>
-            <a:r>
-              <a:rPr lang="en" sz="1800"/>
-              <a:t>Setter injection</a:t>
-            </a:r>
-          </a:p>
-          <a:p>
-            <a:pPr indent="-342900" lvl="0" marL="457200">
-              <a:spcBef>
-                <a:spcPts val="0"/>
-              </a:spcBef>
-              <a:buSzPct val="100000"/>
-              <a:buChar char="●"/>
-            </a:pPr>
-            <a:r>
-              <a:rPr lang="en" sz="1800"/>
-              <a:t>Interface injection - obligatory </a:t>
-            </a:r>
-            <a:r>
-              <a:rPr lang="en" sz="1800"/>
-              <a:t>injected class API </a:t>
+              <a:rPr lang="en" sz="2400">
+                <a:solidFill>
+                  <a:srgbClr val="268BD2"/>
+                </a:solidFill>
+                <a:latin typeface="Arial"/>
+                <a:ea typeface="Arial"/>
+                <a:cs typeface="Arial"/>
+                <a:sym typeface="Arial"/>
+              </a:rPr>
+              <a:t>class</a:t>
+            </a:r>
+            <a:r>
+              <a:rPr lang="en" sz="2400">
+                <a:solidFill>
+                  <a:srgbClr val="93A1A1"/>
+                </a:solidFill>
+                <a:latin typeface="Arial"/>
+                <a:ea typeface="Arial"/>
+                <a:cs typeface="Arial"/>
+                <a:sym typeface="Arial"/>
+              </a:rPr>
+              <a:t> Car {</a:t>
+            </a:r>
+            <a:br>
+              <a:rPr lang="en" sz="2400">
+                <a:solidFill>
+                  <a:srgbClr val="93A1A1"/>
+                </a:solidFill>
+                <a:latin typeface="Arial"/>
+                <a:ea typeface="Arial"/>
+                <a:cs typeface="Arial"/>
+                <a:sym typeface="Arial"/>
+              </a:rPr>
+            </a:br>
+            <a:r>
+              <a:rPr lang="en" sz="2400">
+                <a:solidFill>
+                  <a:srgbClr val="93A1A1"/>
+                </a:solidFill>
+                <a:latin typeface="Arial"/>
+                <a:ea typeface="Arial"/>
+                <a:cs typeface="Arial"/>
+                <a:sym typeface="Arial"/>
+              </a:rPr>
+              <a:t>  		constructor(engine, tires, doors)  {</a:t>
+            </a:r>
+            <a:br>
+              <a:rPr lang="en" sz="2400">
+                <a:solidFill>
+                  <a:srgbClr val="93A1A1"/>
+                </a:solidFill>
+                <a:latin typeface="Arial"/>
+                <a:ea typeface="Arial"/>
+                <a:cs typeface="Arial"/>
+                <a:sym typeface="Arial"/>
+              </a:rPr>
+            </a:br>
+            <a:r>
+              <a:rPr lang="en" sz="2400">
+                <a:solidFill>
+                  <a:srgbClr val="93A1A1"/>
+                </a:solidFill>
+                <a:latin typeface="Arial"/>
+                <a:ea typeface="Arial"/>
+                <a:cs typeface="Arial"/>
+                <a:sym typeface="Arial"/>
+              </a:rPr>
+              <a:t>  		  </a:t>
+            </a:r>
+            <a:r>
+              <a:rPr lang="en" sz="2400">
+                <a:solidFill>
+                  <a:srgbClr val="859900"/>
+                </a:solidFill>
+                <a:latin typeface="Arial"/>
+                <a:ea typeface="Arial"/>
+                <a:cs typeface="Arial"/>
+                <a:sym typeface="Arial"/>
+              </a:rPr>
+              <a:t>this</a:t>
+            </a:r>
+            <a:r>
+              <a:rPr lang="en" sz="2400">
+                <a:solidFill>
+                  <a:srgbClr val="93A1A1"/>
+                </a:solidFill>
+                <a:latin typeface="Arial"/>
+                <a:ea typeface="Arial"/>
+                <a:cs typeface="Arial"/>
+                <a:sym typeface="Arial"/>
+              </a:rPr>
+              <a:t>.engine </a:t>
+            </a:r>
+            <a:r>
+              <a:rPr lang="en" sz="2400">
+                <a:solidFill>
+                  <a:srgbClr val="859900"/>
+                </a:solidFill>
+                <a:latin typeface="Arial"/>
+                <a:ea typeface="Arial"/>
+                <a:cs typeface="Arial"/>
+                <a:sym typeface="Arial"/>
+              </a:rPr>
+              <a:t>=</a:t>
+            </a:r>
+            <a:r>
+              <a:rPr lang="en" sz="2400">
+                <a:solidFill>
+                  <a:srgbClr val="93A1A1"/>
+                </a:solidFill>
+                <a:latin typeface="Arial"/>
+                <a:ea typeface="Arial"/>
+                <a:cs typeface="Arial"/>
+                <a:sym typeface="Arial"/>
+              </a:rPr>
+              <a:t> engine;</a:t>
+            </a:r>
+            <a:br>
+              <a:rPr lang="en" sz="2400">
+                <a:solidFill>
+                  <a:srgbClr val="93A1A1"/>
+                </a:solidFill>
+                <a:latin typeface="Arial"/>
+                <a:ea typeface="Arial"/>
+                <a:cs typeface="Arial"/>
+                <a:sym typeface="Arial"/>
+              </a:rPr>
+            </a:br>
+            <a:r>
+              <a:rPr lang="en" sz="2400">
+                <a:solidFill>
+                  <a:srgbClr val="93A1A1"/>
+                </a:solidFill>
+                <a:latin typeface="Arial"/>
+                <a:ea typeface="Arial"/>
+                <a:cs typeface="Arial"/>
+                <a:sym typeface="Arial"/>
+              </a:rPr>
+              <a:t>  		  </a:t>
+            </a:r>
+            <a:r>
+              <a:rPr lang="en" sz="2400">
+                <a:solidFill>
+                  <a:srgbClr val="859900"/>
+                </a:solidFill>
+                <a:latin typeface="Arial"/>
+                <a:ea typeface="Arial"/>
+                <a:cs typeface="Arial"/>
+                <a:sym typeface="Arial"/>
+              </a:rPr>
+              <a:t>this</a:t>
+            </a:r>
+            <a:r>
+              <a:rPr lang="en" sz="2400">
+                <a:solidFill>
+                  <a:srgbClr val="93A1A1"/>
+                </a:solidFill>
+                <a:latin typeface="Arial"/>
+                <a:ea typeface="Arial"/>
+                <a:cs typeface="Arial"/>
+                <a:sym typeface="Arial"/>
+              </a:rPr>
+              <a:t>.tires </a:t>
+            </a:r>
+            <a:r>
+              <a:rPr lang="en" sz="2400">
+                <a:solidFill>
+                  <a:srgbClr val="859900"/>
+                </a:solidFill>
+                <a:latin typeface="Arial"/>
+                <a:ea typeface="Arial"/>
+                <a:cs typeface="Arial"/>
+                <a:sym typeface="Arial"/>
+              </a:rPr>
+              <a:t>=</a:t>
+            </a:r>
+            <a:r>
+              <a:rPr lang="en" sz="2400">
+                <a:solidFill>
+                  <a:srgbClr val="93A1A1"/>
+                </a:solidFill>
+                <a:latin typeface="Arial"/>
+                <a:ea typeface="Arial"/>
+                <a:cs typeface="Arial"/>
+                <a:sym typeface="Arial"/>
+              </a:rPr>
+              <a:t> tires;</a:t>
+            </a:r>
+            <a:br>
+              <a:rPr lang="en" sz="2400">
+                <a:solidFill>
+                  <a:srgbClr val="93A1A1"/>
+                </a:solidFill>
+                <a:latin typeface="Arial"/>
+                <a:ea typeface="Arial"/>
+                <a:cs typeface="Arial"/>
+                <a:sym typeface="Arial"/>
+              </a:rPr>
+            </a:br>
+            <a:r>
+              <a:rPr lang="en" sz="2400">
+                <a:solidFill>
+                  <a:srgbClr val="93A1A1"/>
+                </a:solidFill>
+                <a:latin typeface="Arial"/>
+                <a:ea typeface="Arial"/>
+                <a:cs typeface="Arial"/>
+                <a:sym typeface="Arial"/>
+              </a:rPr>
+              <a:t>  		  </a:t>
+            </a:r>
+            <a:r>
+              <a:rPr lang="en" sz="2400">
+                <a:solidFill>
+                  <a:srgbClr val="859900"/>
+                </a:solidFill>
+                <a:latin typeface="Arial"/>
+                <a:ea typeface="Arial"/>
+                <a:cs typeface="Arial"/>
+                <a:sym typeface="Arial"/>
+              </a:rPr>
+              <a:t>this</a:t>
+            </a:r>
+            <a:r>
+              <a:rPr lang="en" sz="2400">
+                <a:solidFill>
+                  <a:srgbClr val="93A1A1"/>
+                </a:solidFill>
+                <a:latin typeface="Arial"/>
+                <a:ea typeface="Arial"/>
+                <a:cs typeface="Arial"/>
+                <a:sym typeface="Arial"/>
+              </a:rPr>
+              <a:t>.doors </a:t>
+            </a:r>
+            <a:r>
+              <a:rPr lang="en" sz="2400">
+                <a:solidFill>
+                  <a:srgbClr val="859900"/>
+                </a:solidFill>
+                <a:latin typeface="Arial"/>
+                <a:ea typeface="Arial"/>
+                <a:cs typeface="Arial"/>
+                <a:sym typeface="Arial"/>
+              </a:rPr>
+              <a:t>=</a:t>
+            </a:r>
+            <a:r>
+              <a:rPr lang="en" sz="2400">
+                <a:solidFill>
+                  <a:srgbClr val="93A1A1"/>
+                </a:solidFill>
+                <a:latin typeface="Arial"/>
+                <a:ea typeface="Arial"/>
+                <a:cs typeface="Arial"/>
+                <a:sym typeface="Arial"/>
+              </a:rPr>
+              <a:t> doors;</a:t>
+            </a:r>
+            <a:br>
+              <a:rPr lang="en" sz="2400">
+                <a:solidFill>
+                  <a:srgbClr val="93A1A1"/>
+                </a:solidFill>
+                <a:latin typeface="Arial"/>
+                <a:ea typeface="Arial"/>
+                <a:cs typeface="Arial"/>
+                <a:sym typeface="Arial"/>
+              </a:rPr>
+            </a:br>
+            <a:r>
+              <a:rPr lang="en" sz="2400">
+                <a:solidFill>
+                  <a:srgbClr val="93A1A1"/>
+                </a:solidFill>
+                <a:latin typeface="Arial"/>
+                <a:ea typeface="Arial"/>
+                <a:cs typeface="Arial"/>
+                <a:sym typeface="Arial"/>
+              </a:rPr>
+              <a:t>  		}</a:t>
+            </a:r>
+            <a:br>
+              <a:rPr lang="en" sz="2400">
+                <a:solidFill>
+                  <a:srgbClr val="93A1A1"/>
+                </a:solidFill>
+                <a:latin typeface="Arial"/>
+                <a:ea typeface="Arial"/>
+                <a:cs typeface="Arial"/>
+                <a:sym typeface="Arial"/>
+              </a:rPr>
+            </a:br>
+            <a:r>
+              <a:rPr lang="en" sz="2400">
+                <a:solidFill>
+                  <a:srgbClr val="93A1A1"/>
+                </a:solidFill>
+                <a:latin typeface="Arial"/>
+                <a:ea typeface="Arial"/>
+                <a:cs typeface="Arial"/>
+                <a:sym typeface="Arial"/>
+              </a:rPr>
+              <a:t>	}</a:t>
             </a:r>
           </a:p>
         </p:txBody>
@@ -10811,7 +10726,7 @@
             </a:pPr>
             <a:r>
               <a:rPr lang="en" sz="3000"/>
-              <a:t>Case study 2: constructor DI</a:t>
+              <a:t>Case study 2: issues</a:t>
             </a:r>
           </a:p>
         </p:txBody>
@@ -10839,7 +10754,19 @@
           </a:bodyPr>
           <a:lstStyle/>
           <a:p>
-            <a:pPr indent="457200" lvl="0" marL="457200" rtl="0">
+            <a:pPr lvl="0">
+              <a:spcBef>
+                <a:spcPts val="0"/>
+              </a:spcBef>
+              <a:buNone/>
+            </a:pPr>
+            <a:r>
+              <a:rPr lang="en" sz="1800"/>
+              <a:t>In this case study, the responsibility of creating and managing the constructor dependencies is moved to a higher level.</a:t>
+            </a:r>
+          </a:p>
+          <a:p>
+            <a:pPr indent="0" lvl="0" marL="457200" rtl="0">
               <a:spcBef>
                 <a:spcPts val="0"/>
               </a:spcBef>
@@ -10849,311 +10776,51 @@
               <a:buNone/>
             </a:pPr>
             <a:r>
-              <a:rPr lang="en" sz="2400">
+              <a:rPr b="1" lang="en" sz="1800">
                 <a:solidFill>
-                  <a:srgbClr val="268BD2"/>
+                  <a:srgbClr val="FFFFFF"/>
                 </a:solidFill>
-                <a:latin typeface="Arial"/>
-                <a:ea typeface="Arial"/>
-                <a:cs typeface="Arial"/>
-                <a:sym typeface="Arial"/>
               </a:rPr>
-              <a:t>class</a:t>
-            </a:r>
-            <a:r>
-              <a:rPr lang="en" sz="2400">
-                <a:solidFill>
-                  <a:srgbClr val="93A1A1"/>
-                </a:solidFill>
-                <a:latin typeface="Arial"/>
-                <a:ea typeface="Arial"/>
-                <a:cs typeface="Arial"/>
-                <a:sym typeface="Arial"/>
-              </a:rPr>
-              <a:t> Car {</a:t>
-            </a:r>
-            <a:br>
-              <a:rPr lang="en" sz="2400">
-                <a:solidFill>
-                  <a:srgbClr val="93A1A1"/>
-                </a:solidFill>
-                <a:latin typeface="Arial"/>
-                <a:ea typeface="Arial"/>
-                <a:cs typeface="Arial"/>
-                <a:sym typeface="Arial"/>
-              </a:rPr>
-            </a:br>
-            <a:r>
-              <a:rPr lang="en" sz="2400">
-                <a:solidFill>
-                  <a:srgbClr val="93A1A1"/>
-                </a:solidFill>
-                <a:latin typeface="Arial"/>
-                <a:ea typeface="Arial"/>
-                <a:cs typeface="Arial"/>
-                <a:sym typeface="Arial"/>
-              </a:rPr>
-              <a:t>  		constructor(engine, tires, doors)  {</a:t>
-            </a:r>
-            <a:br>
-              <a:rPr lang="en" sz="2400">
-                <a:solidFill>
-                  <a:srgbClr val="93A1A1"/>
-                </a:solidFill>
-                <a:latin typeface="Arial"/>
-                <a:ea typeface="Arial"/>
-                <a:cs typeface="Arial"/>
-                <a:sym typeface="Arial"/>
-              </a:rPr>
-            </a:br>
-            <a:r>
-              <a:rPr lang="en" sz="2400">
-                <a:solidFill>
-                  <a:srgbClr val="93A1A1"/>
-                </a:solidFill>
-                <a:latin typeface="Arial"/>
-                <a:ea typeface="Arial"/>
-                <a:cs typeface="Arial"/>
-                <a:sym typeface="Arial"/>
-              </a:rPr>
-              <a:t>  		  </a:t>
-            </a:r>
-            <a:r>
-              <a:rPr lang="en" sz="2400">
-                <a:solidFill>
-                  <a:srgbClr val="859900"/>
-                </a:solidFill>
-                <a:latin typeface="Arial"/>
-                <a:ea typeface="Arial"/>
-                <a:cs typeface="Arial"/>
-                <a:sym typeface="Arial"/>
-              </a:rPr>
-              <a:t>this</a:t>
-            </a:r>
-            <a:r>
-              <a:rPr lang="en" sz="2400">
-                <a:solidFill>
-                  <a:srgbClr val="93A1A1"/>
-                </a:solidFill>
-                <a:latin typeface="Arial"/>
-                <a:ea typeface="Arial"/>
-                <a:cs typeface="Arial"/>
-                <a:sym typeface="Arial"/>
-              </a:rPr>
-              <a:t>.engine </a:t>
-            </a:r>
-            <a:r>
-              <a:rPr lang="en" sz="2400">
-                <a:solidFill>
-                  <a:srgbClr val="859900"/>
-                </a:solidFill>
-                <a:latin typeface="Arial"/>
-                <a:ea typeface="Arial"/>
-                <a:cs typeface="Arial"/>
-                <a:sym typeface="Arial"/>
-              </a:rPr>
-              <a:t>=</a:t>
-            </a:r>
-            <a:r>
-              <a:rPr lang="en" sz="2400">
-                <a:solidFill>
-                  <a:srgbClr val="93A1A1"/>
-                </a:solidFill>
-                <a:latin typeface="Arial"/>
-                <a:ea typeface="Arial"/>
-                <a:cs typeface="Arial"/>
-                <a:sym typeface="Arial"/>
-              </a:rPr>
-              <a:t> engine;</a:t>
-            </a:r>
-            <a:br>
-              <a:rPr lang="en" sz="2400">
-                <a:solidFill>
-                  <a:srgbClr val="93A1A1"/>
-                </a:solidFill>
-                <a:latin typeface="Arial"/>
-                <a:ea typeface="Arial"/>
-                <a:cs typeface="Arial"/>
-                <a:sym typeface="Arial"/>
-              </a:rPr>
-            </a:br>
-            <a:r>
-              <a:rPr lang="en" sz="2400">
-                <a:solidFill>
-                  <a:srgbClr val="93A1A1"/>
-                </a:solidFill>
-                <a:latin typeface="Arial"/>
-                <a:ea typeface="Arial"/>
-                <a:cs typeface="Arial"/>
-                <a:sym typeface="Arial"/>
-              </a:rPr>
-              <a:t>  		  </a:t>
-            </a:r>
-            <a:r>
-              <a:rPr lang="en" sz="2400">
-                <a:solidFill>
-                  <a:srgbClr val="859900"/>
-                </a:solidFill>
-                <a:latin typeface="Arial"/>
-                <a:ea typeface="Arial"/>
-                <a:cs typeface="Arial"/>
-                <a:sym typeface="Arial"/>
-              </a:rPr>
-              <a:t>this</a:t>
-            </a:r>
-            <a:r>
-              <a:rPr lang="en" sz="2400">
-                <a:solidFill>
-                  <a:srgbClr val="93A1A1"/>
-                </a:solidFill>
-                <a:latin typeface="Arial"/>
-                <a:ea typeface="Arial"/>
-                <a:cs typeface="Arial"/>
-                <a:sym typeface="Arial"/>
-              </a:rPr>
-              <a:t>.tires </a:t>
-            </a:r>
-            <a:r>
-              <a:rPr lang="en" sz="2400">
-                <a:solidFill>
-                  <a:srgbClr val="859900"/>
-                </a:solidFill>
-                <a:latin typeface="Arial"/>
-                <a:ea typeface="Arial"/>
-                <a:cs typeface="Arial"/>
-                <a:sym typeface="Arial"/>
-              </a:rPr>
-              <a:t>=</a:t>
-            </a:r>
-            <a:r>
-              <a:rPr lang="en" sz="2400">
-                <a:solidFill>
-                  <a:srgbClr val="93A1A1"/>
-                </a:solidFill>
-                <a:latin typeface="Arial"/>
-                <a:ea typeface="Arial"/>
-                <a:cs typeface="Arial"/>
-                <a:sym typeface="Arial"/>
-              </a:rPr>
-              <a:t> tires;</a:t>
-            </a:r>
-            <a:br>
-              <a:rPr lang="en" sz="2400">
-                <a:solidFill>
-                  <a:srgbClr val="93A1A1"/>
-                </a:solidFill>
-                <a:latin typeface="Arial"/>
-                <a:ea typeface="Arial"/>
-                <a:cs typeface="Arial"/>
-                <a:sym typeface="Arial"/>
-              </a:rPr>
-            </a:br>
-            <a:r>
-              <a:rPr lang="en" sz="2400">
-                <a:solidFill>
-                  <a:srgbClr val="93A1A1"/>
-                </a:solidFill>
-                <a:latin typeface="Arial"/>
-                <a:ea typeface="Arial"/>
-                <a:cs typeface="Arial"/>
-                <a:sym typeface="Arial"/>
-              </a:rPr>
-              <a:t>  		  </a:t>
-            </a:r>
-            <a:r>
-              <a:rPr lang="en" sz="2400">
-                <a:solidFill>
-                  <a:srgbClr val="859900"/>
-                </a:solidFill>
-                <a:latin typeface="Arial"/>
-                <a:ea typeface="Arial"/>
-                <a:cs typeface="Arial"/>
-                <a:sym typeface="Arial"/>
-              </a:rPr>
-              <a:t>this</a:t>
-            </a:r>
-            <a:r>
-              <a:rPr lang="en" sz="2400">
-                <a:solidFill>
-                  <a:srgbClr val="93A1A1"/>
-                </a:solidFill>
-                <a:latin typeface="Arial"/>
-                <a:ea typeface="Arial"/>
-                <a:cs typeface="Arial"/>
-                <a:sym typeface="Arial"/>
-              </a:rPr>
-              <a:t>.doors </a:t>
-            </a:r>
-            <a:r>
-              <a:rPr lang="en" sz="2400">
-                <a:solidFill>
-                  <a:srgbClr val="859900"/>
-                </a:solidFill>
-                <a:latin typeface="Arial"/>
-                <a:ea typeface="Arial"/>
-                <a:cs typeface="Arial"/>
-                <a:sym typeface="Arial"/>
-              </a:rPr>
-              <a:t>=</a:t>
-            </a:r>
-            <a:r>
-              <a:rPr lang="en" sz="2400">
-                <a:solidFill>
-                  <a:srgbClr val="93A1A1"/>
-                </a:solidFill>
-                <a:latin typeface="Arial"/>
-                <a:ea typeface="Arial"/>
-                <a:cs typeface="Arial"/>
-                <a:sym typeface="Arial"/>
-              </a:rPr>
-              <a:t> doors;</a:t>
-            </a:r>
-            <a:br>
-              <a:rPr lang="en" sz="2400">
-                <a:solidFill>
-                  <a:srgbClr val="93A1A1"/>
-                </a:solidFill>
-                <a:latin typeface="Arial"/>
-                <a:ea typeface="Arial"/>
-                <a:cs typeface="Arial"/>
-                <a:sym typeface="Arial"/>
-              </a:rPr>
-            </a:br>
-            <a:r>
-              <a:rPr lang="en" sz="2400">
-                <a:solidFill>
-                  <a:srgbClr val="93A1A1"/>
-                </a:solidFill>
-                <a:latin typeface="Arial"/>
-                <a:ea typeface="Arial"/>
-                <a:cs typeface="Arial"/>
-                <a:sym typeface="Arial"/>
-              </a:rPr>
-              <a:t>  		}</a:t>
-            </a:r>
-            <a:br>
-              <a:rPr lang="en" sz="2400">
-                <a:solidFill>
-                  <a:srgbClr val="93A1A1"/>
-                </a:solidFill>
-                <a:latin typeface="Arial"/>
-                <a:ea typeface="Arial"/>
-                <a:cs typeface="Arial"/>
-                <a:sym typeface="Arial"/>
-              </a:rPr>
-            </a:br>
-            <a:r>
-              <a:rPr lang="en" sz="2400">
-                <a:solidFill>
-                  <a:srgbClr val="93A1A1"/>
-                </a:solidFill>
-                <a:latin typeface="Arial"/>
-                <a:ea typeface="Arial"/>
-                <a:cs typeface="Arial"/>
-                <a:sym typeface="Arial"/>
-              </a:rPr>
-              <a:t>	}</a:t>
-            </a:r>
+              <a:t>Who takes care of assembling all those dependencies for us? It’s us</a:t>
+            </a:r>
+          </a:p>
+          <a:p>
+            <a:pPr indent="0" lvl="0" marL="457200" rtl="0">
+              <a:spcBef>
+                <a:spcPts val="0"/>
+              </a:spcBef>
+              <a:spcAft>
+                <a:spcPts val="0"/>
+              </a:spcAft>
+              <a:buNone/>
+            </a:pPr>
+            <a:r>
+              <a:t/>
+            </a:r>
+            <a:endParaRPr b="1" sz="1800">
+              <a:solidFill>
+                <a:srgbClr val="FFFFFF"/>
+              </a:solidFill>
+            </a:endParaRPr>
+          </a:p>
+          <a:p>
+            <a:pPr indent="0" lvl="0" marL="0" rtl="0">
+              <a:spcBef>
+                <a:spcPts val="0"/>
+              </a:spcBef>
+              <a:spcAft>
+                <a:spcPts val="0"/>
+              </a:spcAft>
+              <a:buNone/>
+            </a:pPr>
+            <a:r>
+              <a:t/>
+            </a:r>
+            <a:endParaRPr b="1" sz="1800">
+              <a:solidFill>
+                <a:srgbClr val="FFFFFF"/>
+              </a:solidFill>
+            </a:endParaRPr>
           </a:p>
         </p:txBody>
       </p:sp>
@@ -11166,6 +10833,285 @@
 </file>
 
 <file path=ppt/theme/theme1.xml><?xml version="1.0" encoding="utf-8"?>
+<a:theme xmlns:a="http://schemas.openxmlformats.org/drawingml/2006/main" xmlns:r="http://schemas.openxmlformats.org/officeDocument/2006/relationships" name="Focus">
+  <a:themeElements>
+    <a:clrScheme name="Focus">
+      <a:dk1>
+        <a:srgbClr val="1B212C"/>
+      </a:dk1>
+      <a:lt1>
+        <a:srgbClr val="FFFFFF"/>
+      </a:lt1>
+      <a:dk2>
+        <a:srgbClr val="D9D9D9"/>
+      </a:dk2>
+      <a:lt2>
+        <a:srgbClr val="82C7A5"/>
+      </a:lt2>
+      <a:accent1>
+        <a:srgbClr val="0145AC"/>
+      </a:accent1>
+      <a:accent2>
+        <a:srgbClr val="EECE1A"/>
+      </a:accent2>
+      <a:accent3>
+        <a:srgbClr val="4E5567"/>
+      </a:accent3>
+      <a:accent4>
+        <a:srgbClr val="F4D6AD"/>
+      </a:accent4>
+      <a:accent5>
+        <a:srgbClr val="7890CD"/>
+      </a:accent5>
+      <a:accent6>
+        <a:srgbClr val="F15E22"/>
+      </a:accent6>
+      <a:hlink>
+        <a:srgbClr val="7890CD"/>
+      </a:hlink>
+      <a:folHlink>
+        <a:srgbClr val="7890CD"/>
+      </a:folHlink>
+    </a:clrScheme>
+    <a:fontScheme name="Office">
+      <a:majorFont>
+        <a:latin typeface="Arial"/>
+        <a:ea typeface=""/>
+        <a:cs typeface=""/>
+        <a:font script="Jpan" typeface="ＭＳ Ｐゴシック"/>
+        <a:font script="Hang" typeface="맑은 고딕"/>
+        <a:font script="Hans" typeface="宋体"/>
+        <a:font script="Hant" typeface="新細明體"/>
+        <a:font script="Arab" typeface="Times New Roman"/>
+        <a:font script="Hebr" typeface="Times New Roman"/>
+        <a:font script="Thai" typeface="Angsana New"/>
+        <a:font script="Ethi" typeface="Nyala"/>
+        <a:font script="Beng" typeface="Vrinda"/>
+        <a:font script="Gujr" typeface="Shruti"/>
+        <a:font script="Khmr" typeface="MoolBoran"/>
+        <a:font script="Knda" typeface="Tunga"/>
+        <a:font script="Guru" typeface="Raavi"/>
+        <a:font script="Cans" typeface="Euphemia"/>
+        <a:font script="Cher" typeface="Plantagenet Cherokee"/>
+        <a:font script="Yiii" typeface="Microsoft Yi Baiti"/>
+        <a:font script="Tibt" typeface="Microsoft Himalaya"/>
+        <a:font script="Thaa" typeface="MV Boli"/>
+        <a:font script="Deva" typeface="Mangal"/>
+        <a:font script="Telu" typeface="Gautami"/>
+        <a:font script="Taml" typeface="Latha"/>
+        <a:font script="Syrc" typeface="Estrangelo Edessa"/>
+        <a:font script="Orya" typeface="Kalinga"/>
+        <a:font script="Mlym" typeface="Kartika"/>
+        <a:font script="Laoo" typeface="DokChampa"/>
+        <a:font script="Sinh" typeface="Iskoola Pota"/>
+        <a:font script="Mong" typeface="Mongolian Baiti"/>
+        <a:font script="Viet" typeface="Times New Roman"/>
+        <a:font script="Uigh" typeface="Microsoft Uighur"/>
+        <a:font script="Geor" typeface="Sylfaen"/>
+      </a:majorFont>
+      <a:minorFont>
+        <a:latin typeface="Arial"/>
+        <a:ea typeface=""/>
+        <a:cs typeface=""/>
+        <a:font script="Jpan" typeface="ＭＳ Ｐゴシック"/>
+        <a:font script="Hang" typeface="맑은 고딕"/>
+        <a:font script="Hans" typeface="宋体"/>
+        <a:font script="Hant" typeface="新細明體"/>
+        <a:font script="Arab" typeface="Arial"/>
+        <a:font script="Hebr" typeface="Arial"/>
+        <a:font script="Thai" typeface="Cordia New"/>
+        <a:font script="Ethi" typeface="Nyala"/>
+        <a:font script="Beng" typeface="Vrinda"/>
+        <a:font script="Gujr" typeface="Shruti"/>
+        <a:font script="Khmr" typeface="DaunPenh"/>
+        <a:font script="Knda" typeface="Tunga"/>
+        <a:font script="Guru" typeface="Raavi"/>
+        <a:font script="Cans" typeface="Euphemia"/>
+        <a:font script="Cher" typeface="Plantagenet Cherokee"/>
+        <a:font script="Yiii" typeface="Microsoft Yi Baiti"/>
+        <a:font script="Tibt" typeface="Microsoft Himalaya"/>
+        <a:font script="Thaa" typeface="MV Boli"/>
+        <a:font script="Deva" typeface="Mangal"/>
+        <a:font script="Telu" typeface="Gautami"/>
+        <a:font script="Taml" typeface="Latha"/>
+        <a:font script="Syrc" typeface="Estrangelo Edessa"/>
+        <a:font script="Orya" typeface="Kalinga"/>
+        <a:font script="Mlym" typeface="Kartika"/>
+        <a:font script="Laoo" typeface="DokChampa"/>
+        <a:font script="Sinh" typeface="Iskoola Pota"/>
+        <a:font script="Mong" typeface="Mongolian Baiti"/>
+        <a:font script="Viet" typeface="Arial"/>
+        <a:font script="Uigh" typeface="Microsoft Uighur"/>
+        <a:font script="Geor" typeface="Sylfaen"/>
+      </a:minorFont>
+    </a:fontScheme>
+    <a:fmtScheme name="Office">
+      <a:fillStyleLst>
+        <a:solidFill>
+          <a:schemeClr val="phClr"/>
+        </a:solidFill>
+        <a:gradFill rotWithShape="1">
+          <a:gsLst>
+            <a:gs pos="0">
+              <a:schemeClr val="phClr">
+                <a:tint val="50000"/>
+                <a:satMod val="300000"/>
+              </a:schemeClr>
+            </a:gs>
+            <a:gs pos="35000">
+              <a:schemeClr val="phClr">
+                <a:tint val="37000"/>
+                <a:satMod val="300000"/>
+              </a:schemeClr>
+            </a:gs>
+            <a:gs pos="100000">
+              <a:schemeClr val="phClr">
+                <a:tint val="15000"/>
+                <a:satMod val="350000"/>
+              </a:schemeClr>
+            </a:gs>
+          </a:gsLst>
+          <a:lin ang="16200000" scaled="1"/>
+        </a:gradFill>
+        <a:gradFill rotWithShape="1">
+          <a:gsLst>
+            <a:gs pos="0">
+              <a:schemeClr val="phClr">
+                <a:tint val="100000"/>
+                <a:shade val="100000"/>
+                <a:satMod val="130000"/>
+              </a:schemeClr>
+            </a:gs>
+            <a:gs pos="100000">
+              <a:schemeClr val="phClr">
+                <a:tint val="50000"/>
+                <a:shade val="100000"/>
+                <a:satMod val="350000"/>
+              </a:schemeClr>
+            </a:gs>
+          </a:gsLst>
+          <a:lin ang="16200000" scaled="0"/>
+        </a:gradFill>
+      </a:fillStyleLst>
+      <a:lnStyleLst>
+        <a:ln w="9525" cap="flat" cmpd="sng" algn="ctr">
+          <a:solidFill>
+            <a:schemeClr val="phClr">
+              <a:shade val="95000"/>
+              <a:satMod val="105000"/>
+            </a:schemeClr>
+          </a:solidFill>
+          <a:prstDash val="solid"/>
+        </a:ln>
+        <a:ln w="25400" cap="flat" cmpd="sng" algn="ctr">
+          <a:solidFill>
+            <a:schemeClr val="phClr"/>
+          </a:solidFill>
+          <a:prstDash val="solid"/>
+        </a:ln>
+        <a:ln w="38100" cap="flat" cmpd="sng" algn="ctr">
+          <a:solidFill>
+            <a:schemeClr val="phClr"/>
+          </a:solidFill>
+          <a:prstDash val="solid"/>
+        </a:ln>
+      </a:lnStyleLst>
+      <a:effectStyleLst>
+        <a:effectStyle>
+          <a:effectLst>
+            <a:outerShdw blurRad="40000" dist="20000" dir="5400000" rotWithShape="0">
+              <a:srgbClr val="000000">
+                <a:alpha val="38000"/>
+              </a:srgbClr>
+            </a:outerShdw>
+          </a:effectLst>
+        </a:effectStyle>
+        <a:effectStyle>
+          <a:effectLst>
+            <a:outerShdw blurRad="40000" dist="23000" dir="5400000" rotWithShape="0">
+              <a:srgbClr val="000000">
+                <a:alpha val="35000"/>
+              </a:srgbClr>
+            </a:outerShdw>
+          </a:effectLst>
+        </a:effectStyle>
+        <a:effectStyle>
+          <a:effectLst>
+            <a:outerShdw blurRad="40000" dist="23000" dir="5400000" rotWithShape="0">
+              <a:srgbClr val="000000">
+                <a:alpha val="35000"/>
+              </a:srgbClr>
+            </a:outerShdw>
+          </a:effectLst>
+          <a:scene3d>
+            <a:camera prst="orthographicFront">
+              <a:rot lat="0" lon="0" rev="0"/>
+            </a:camera>
+            <a:lightRig rig="threePt" dir="t">
+              <a:rot lat="0" lon="0" rev="1200000"/>
+            </a:lightRig>
+          </a:scene3d>
+          <a:sp3d>
+            <a:bevelT w="63500" h="25400"/>
+          </a:sp3d>
+        </a:effectStyle>
+      </a:effectStyleLst>
+      <a:bgFillStyleLst>
+        <a:solidFill>
+          <a:schemeClr val="phClr"/>
+        </a:solidFill>
+        <a:gradFill rotWithShape="1">
+          <a:gsLst>
+            <a:gs pos="0">
+              <a:schemeClr val="phClr">
+                <a:tint val="40000"/>
+                <a:satMod val="350000"/>
+              </a:schemeClr>
+            </a:gs>
+            <a:gs pos="40000">
+              <a:schemeClr val="phClr">
+                <a:tint val="45000"/>
+                <a:shade val="99000"/>
+                <a:satMod val="350000"/>
+              </a:schemeClr>
+            </a:gs>
+            <a:gs pos="100000">
+              <a:schemeClr val="phClr">
+                <a:shade val="20000"/>
+                <a:satMod val="255000"/>
+              </a:schemeClr>
+            </a:gs>
+          </a:gsLst>
+          <a:path path="circle">
+            <a:fillToRect l="50000" t="-80000" r="50000" b="180000"/>
+          </a:path>
+        </a:gradFill>
+        <a:gradFill rotWithShape="1">
+          <a:gsLst>
+            <a:gs pos="0">
+              <a:schemeClr val="phClr">
+                <a:tint val="80000"/>
+                <a:satMod val="300000"/>
+              </a:schemeClr>
+            </a:gs>
+            <a:gs pos="100000">
+              <a:schemeClr val="phClr">
+                <a:shade val="30000"/>
+                <a:satMod val="200000"/>
+              </a:schemeClr>
+            </a:gs>
+          </a:gsLst>
+          <a:path path="circle">
+            <a:fillToRect l="50000" t="50000" r="50000" b="50000"/>
+          </a:path>
+        </a:gradFill>
+      </a:bgFillStyleLst>
+    </a:fmtScheme>
+  </a:themeElements>
+</a:theme>
+</file>
+
+<file path=ppt/theme/theme2.xml><?xml version="1.0" encoding="utf-8"?>
 <a:theme xmlns:a="http://schemas.openxmlformats.org/drawingml/2006/main" xmlns:r="http://schemas.openxmlformats.org/officeDocument/2006/relationships" name="Custom Theme">
   <a:themeElements>
     <a:clrScheme name="Default">
@@ -11442,283 +11388,4 @@
     </a:fmtScheme>
   </a:themeElements>
 </a:theme>
-</file>
-
-<file path=ppt/theme/theme2.xml><?xml version="1.0" encoding="utf-8"?>
-<a:theme xmlns:a="http://schemas.openxmlformats.org/drawingml/2006/main" xmlns:r="http://schemas.openxmlformats.org/officeDocument/2006/relationships" name="Focus">
-  <a:themeElements>
-    <a:clrScheme name="Focus">
-      <a:dk1>
-        <a:srgbClr val="1B212C"/>
-      </a:dk1>
-      <a:lt1>
-        <a:srgbClr val="FFFFFF"/>
-      </a:lt1>
-      <a:dk2>
-        <a:srgbClr val="D9D9D9"/>
-      </a:dk2>
-      <a:lt2>
-        <a:srgbClr val="82C7A5"/>
-      </a:lt2>
-      <a:accent1>
-        <a:srgbClr val="0145AC"/>
-      </a:accent1>
-      <a:accent2>
-        <a:srgbClr val="EECE1A"/>
-      </a:accent2>
-      <a:accent3>
-        <a:srgbClr val="4E5567"/>
-      </a:accent3>
-      <a:accent4>
-        <a:srgbClr val="F4D6AD"/>
-      </a:accent4>
-      <a:accent5>
-        <a:srgbClr val="7890CD"/>
-      </a:accent5>
-      <a:accent6>
-        <a:srgbClr val="F15E22"/>
-      </a:accent6>
-      <a:hlink>
-        <a:srgbClr val="7890CD"/>
-      </a:hlink>
-      <a:folHlink>
-        <a:srgbClr val="7890CD"/>
-      </a:folHlink>
-    </a:clrScheme>
-    <a:fontScheme name="Office">
-      <a:majorFont>
-        <a:latin typeface="Arial"/>
-        <a:ea typeface=""/>
-        <a:cs typeface=""/>
-        <a:font script="Jpan" typeface="ＭＳ Ｐゴシック"/>
-        <a:font script="Hang" typeface="맑은 고딕"/>
-        <a:font script="Hans" typeface="宋体"/>
-        <a:font script="Hant" typeface="新細明體"/>
-        <a:font script="Arab" typeface="Times New Roman"/>
-        <a:font script="Hebr" typeface="Times New Roman"/>
-        <a:font script="Thai" typeface="Angsana New"/>
-        <a:font script="Ethi" typeface="Nyala"/>
-        <a:font script="Beng" typeface="Vrinda"/>
-        <a:font script="Gujr" typeface="Shruti"/>
-        <a:font script="Khmr" typeface="MoolBoran"/>
-        <a:font script="Knda" typeface="Tunga"/>
-        <a:font script="Guru" typeface="Raavi"/>
-        <a:font script="Cans" typeface="Euphemia"/>
-        <a:font script="Cher" typeface="Plantagenet Cherokee"/>
-        <a:font script="Yiii" typeface="Microsoft Yi Baiti"/>
-        <a:font script="Tibt" typeface="Microsoft Himalaya"/>
-        <a:font script="Thaa" typeface="MV Boli"/>
-        <a:font script="Deva" typeface="Mangal"/>
-        <a:font script="Telu" typeface="Gautami"/>
-        <a:font script="Taml" typeface="Latha"/>
-        <a:font script="Syrc" typeface="Estrangelo Edessa"/>
-        <a:font script="Orya" typeface="Kalinga"/>
-        <a:font script="Mlym" typeface="Kartika"/>
-        <a:font script="Laoo" typeface="DokChampa"/>
-        <a:font script="Sinh" typeface="Iskoola Pota"/>
-        <a:font script="Mong" typeface="Mongolian Baiti"/>
-        <a:font script="Viet" typeface="Times New Roman"/>
-        <a:font script="Uigh" typeface="Microsoft Uighur"/>
-        <a:font script="Geor" typeface="Sylfaen"/>
-      </a:majorFont>
-      <a:minorFont>
-        <a:latin typeface="Arial"/>
-        <a:ea typeface=""/>
-        <a:cs typeface=""/>
-        <a:font script="Jpan" typeface="ＭＳ Ｐゴシック"/>
-        <a:font script="Hang" typeface="맑은 고딕"/>
-        <a:font script="Hans" typeface="宋体"/>
-        <a:font script="Hant" typeface="新細明體"/>
-        <a:font script="Arab" typeface="Arial"/>
-        <a:font script="Hebr" typeface="Arial"/>
-        <a:font script="Thai" typeface="Cordia New"/>
-        <a:font script="Ethi" typeface="Nyala"/>
-        <a:font script="Beng" typeface="Vrinda"/>
-        <a:font script="Gujr" typeface="Shruti"/>
-        <a:font script="Khmr" typeface="DaunPenh"/>
-        <a:font script="Knda" typeface="Tunga"/>
-        <a:font script="Guru" typeface="Raavi"/>
-        <a:font script="Cans" typeface="Euphemia"/>
-        <a:font script="Cher" typeface="Plantagenet Cherokee"/>
-        <a:font script="Yiii" typeface="Microsoft Yi Baiti"/>
-        <a:font script="Tibt" typeface="Microsoft Himalaya"/>
-        <a:font script="Thaa" typeface="MV Boli"/>
-        <a:font script="Deva" typeface="Mangal"/>
-        <a:font script="Telu" typeface="Gautami"/>
-        <a:font script="Taml" typeface="Latha"/>
-        <a:font script="Syrc" typeface="Estrangelo Edessa"/>
-        <a:font script="Orya" typeface="Kalinga"/>
-        <a:font script="Mlym" typeface="Kartika"/>
-        <a:font script="Laoo" typeface="DokChampa"/>
-        <a:font script="Sinh" typeface="Iskoola Pota"/>
-        <a:font script="Mong" typeface="Mongolian Baiti"/>
-        <a:font script="Viet" typeface="Arial"/>
-        <a:font script="Uigh" typeface="Microsoft Uighur"/>
-        <a:font script="Geor" typeface="Sylfaen"/>
-      </a:minorFont>
-    </a:fontScheme>
-    <a:fmtScheme name="Office">
-      <a:fillStyleLst>
-        <a:solidFill>
-          <a:schemeClr val="phClr"/>
-        </a:solidFill>
-        <a:gradFill rotWithShape="1">
-          <a:gsLst>
-            <a:gs pos="0">
-              <a:schemeClr val="phClr">
-                <a:tint val="50000"/>
-                <a:satMod val="300000"/>
-              </a:schemeClr>
-            </a:gs>
-            <a:gs pos="35000">
-              <a:schemeClr val="phClr">
-                <a:tint val="37000"/>
-                <a:satMod val="300000"/>
-              </a:schemeClr>
-            </a:gs>
-            <a:gs pos="100000">
-              <a:schemeClr val="phClr">
-                <a:tint val="15000"/>
-                <a:satMod val="350000"/>
-              </a:schemeClr>
-            </a:gs>
-          </a:gsLst>
-          <a:lin ang="16200000" scaled="1"/>
-        </a:gradFill>
-        <a:gradFill rotWithShape="1">
-          <a:gsLst>
-            <a:gs pos="0">
-              <a:schemeClr val="phClr">
-                <a:tint val="100000"/>
-                <a:shade val="100000"/>
-                <a:satMod val="130000"/>
-              </a:schemeClr>
-            </a:gs>
-            <a:gs pos="100000">
-              <a:schemeClr val="phClr">
-                <a:tint val="50000"/>
-                <a:shade val="100000"/>
-                <a:satMod val="350000"/>
-              </a:schemeClr>
-            </a:gs>
-          </a:gsLst>
-          <a:lin ang="16200000" scaled="0"/>
-        </a:gradFill>
-      </a:fillStyleLst>
-      <a:lnStyleLst>
-        <a:ln w="9525" cap="flat" cmpd="sng" algn="ctr">
-          <a:solidFill>
-            <a:schemeClr val="phClr">
-              <a:shade val="95000"/>
-              <a:satMod val="105000"/>
-            </a:schemeClr>
-          </a:solidFill>
-          <a:prstDash val="solid"/>
-        </a:ln>
-        <a:ln w="25400" cap="flat" cmpd="sng" algn="ctr">
-          <a:solidFill>
-            <a:schemeClr val="phClr"/>
-          </a:solidFill>
-          <a:prstDash val="solid"/>
-        </a:ln>
-        <a:ln w="38100" cap="flat" cmpd="sng" algn="ctr">
-          <a:solidFill>
-            <a:schemeClr val="phClr"/>
-          </a:solidFill>
-          <a:prstDash val="solid"/>
-        </a:ln>
-      </a:lnStyleLst>
-      <a:effectStyleLst>
-        <a:effectStyle>
-          <a:effectLst>
-            <a:outerShdw blurRad="40000" dist="20000" dir="5400000" rotWithShape="0">
-              <a:srgbClr val="000000">
-                <a:alpha val="38000"/>
-              </a:srgbClr>
-            </a:outerShdw>
-          </a:effectLst>
-        </a:effectStyle>
-        <a:effectStyle>
-          <a:effectLst>
-            <a:outerShdw blurRad="40000" dist="23000" dir="5400000" rotWithShape="0">
-              <a:srgbClr val="000000">
-                <a:alpha val="35000"/>
-              </a:srgbClr>
-            </a:outerShdw>
-          </a:effectLst>
-        </a:effectStyle>
-        <a:effectStyle>
-          <a:effectLst>
-            <a:outerShdw blurRad="40000" dist="23000" dir="5400000" rotWithShape="0">
-              <a:srgbClr val="000000">
-                <a:alpha val="35000"/>
-              </a:srgbClr>
-            </a:outerShdw>
-          </a:effectLst>
-          <a:scene3d>
-            <a:camera prst="orthographicFront">
-              <a:rot lat="0" lon="0" rev="0"/>
-            </a:camera>
-            <a:lightRig rig="threePt" dir="t">
-              <a:rot lat="0" lon="0" rev="1200000"/>
-            </a:lightRig>
-          </a:scene3d>
-          <a:sp3d>
-            <a:bevelT w="63500" h="25400"/>
-          </a:sp3d>
-        </a:effectStyle>
-      </a:effectStyleLst>
-      <a:bgFillStyleLst>
-        <a:solidFill>
-          <a:schemeClr val="phClr"/>
-        </a:solidFill>
-        <a:gradFill rotWithShape="1">
-          <a:gsLst>
-            <a:gs pos="0">
-              <a:schemeClr val="phClr">
-                <a:tint val="40000"/>
-                <a:satMod val="350000"/>
-              </a:schemeClr>
-            </a:gs>
-            <a:gs pos="40000">
-              <a:schemeClr val="phClr">
-                <a:tint val="45000"/>
-                <a:shade val="99000"/>
-                <a:satMod val="350000"/>
-              </a:schemeClr>
-            </a:gs>
-            <a:gs pos="100000">
-              <a:schemeClr val="phClr">
-                <a:shade val="20000"/>
-                <a:satMod val="255000"/>
-              </a:schemeClr>
-            </a:gs>
-          </a:gsLst>
-          <a:path path="circle">
-            <a:fillToRect l="50000" t="-80000" r="50000" b="180000"/>
-          </a:path>
-        </a:gradFill>
-        <a:gradFill rotWithShape="1">
-          <a:gsLst>
-            <a:gs pos="0">
-              <a:schemeClr val="phClr">
-                <a:tint val="80000"/>
-                <a:satMod val="300000"/>
-              </a:schemeClr>
-            </a:gs>
-            <a:gs pos="100000">
-              <a:schemeClr val="phClr">
-                <a:shade val="30000"/>
-                <a:satMod val="200000"/>
-              </a:schemeClr>
-            </a:gs>
-          </a:gsLst>
-          <a:path path="circle">
-            <a:fillToRect l="50000" t="50000" r="50000" b="50000"/>
-          </a:path>
-        </a:gradFill>
-      </a:bgFillStyleLst>
-    </a:fmtScheme>
-  </a:themeElements>
-</a:theme>
 </file>